--- a/IBM-spark/IT Analytics-姚晗-5.8.pptx
+++ b/IBM-spark/IT Analytics-姚晗-5.8.pptx
@@ -14,6 +14,7 @@
     <p:sldId id="275" r:id="rId8"/>
     <p:sldId id="276" r:id="rId9"/>
     <p:sldId id="277" r:id="rId10"/>
+    <p:sldId id="278" r:id="rId11"/>
   </p:sldIdLst>
   <p:sldSz cx="12192000" cy="6858000"/>
   <p:notesSz cx="6858000" cy="9144000"/>
@@ -346,7 +347,7 @@
           <a:p>
             <a:fld id="{54276B0A-3273-40F0-AF33-3297F075264A}" type="datetimeFigureOut">
               <a:rPr lang="zh-CN" altLang="en-US" smtClean="0"/>
-              <a:t>2017/5/8</a:t>
+              <a:t>2017/5/9</a:t>
             </a:fld>
             <a:endParaRPr lang="zh-CN" altLang="en-US"/>
           </a:p>
@@ -549,7 +550,7 @@
           <a:p>
             <a:fld id="{54276B0A-3273-40F0-AF33-3297F075264A}" type="datetimeFigureOut">
               <a:rPr lang="zh-CN" altLang="en-US" smtClean="0"/>
-              <a:t>2017/5/8</a:t>
+              <a:t>2017/5/9</a:t>
             </a:fld>
             <a:endParaRPr lang="zh-CN" altLang="en-US"/>
           </a:p>
@@ -800,7 +801,7 @@
           <a:p>
             <a:fld id="{54276B0A-3273-40F0-AF33-3297F075264A}" type="datetimeFigureOut">
               <a:rPr lang="zh-CN" altLang="en-US" smtClean="0"/>
-              <a:t>2017/5/8</a:t>
+              <a:t>2017/5/9</a:t>
             </a:fld>
             <a:endParaRPr lang="zh-CN" altLang="en-US"/>
           </a:p>
@@ -969,7 +970,7 @@
           <a:p>
             <a:fld id="{54276B0A-3273-40F0-AF33-3297F075264A}" type="datetimeFigureOut">
               <a:rPr lang="zh-CN" altLang="en-US" smtClean="0"/>
-              <a:t>2017/5/8</a:t>
+              <a:t>2017/5/9</a:t>
             </a:fld>
             <a:endParaRPr lang="zh-CN" altLang="en-US"/>
           </a:p>
@@ -1307,7 +1308,7 @@
           <a:p>
             <a:fld id="{54276B0A-3273-40F0-AF33-3297F075264A}" type="datetimeFigureOut">
               <a:rPr lang="zh-CN" altLang="en-US" smtClean="0"/>
-              <a:t>2017/5/8</a:t>
+              <a:t>2017/5/9</a:t>
             </a:fld>
             <a:endParaRPr lang="zh-CN" altLang="en-US"/>
           </a:p>
@@ -1577,7 +1578,7 @@
           <a:p>
             <a:fld id="{54276B0A-3273-40F0-AF33-3297F075264A}" type="datetimeFigureOut">
               <a:rPr lang="zh-CN" altLang="en-US" smtClean="0"/>
-              <a:t>2017/5/8</a:t>
+              <a:t>2017/5/9</a:t>
             </a:fld>
             <a:endParaRPr lang="zh-CN" altLang="en-US"/>
           </a:p>
@@ -1951,7 +1952,7 @@
           <a:p>
             <a:fld id="{54276B0A-3273-40F0-AF33-3297F075264A}" type="datetimeFigureOut">
               <a:rPr lang="zh-CN" altLang="en-US" smtClean="0"/>
-              <a:t>2017/5/8</a:t>
+              <a:t>2017/5/9</a:t>
             </a:fld>
             <a:endParaRPr lang="zh-CN" altLang="en-US"/>
           </a:p>
@@ -2064,7 +2065,7 @@
           <a:p>
             <a:fld id="{54276B0A-3273-40F0-AF33-3297F075264A}" type="datetimeFigureOut">
               <a:rPr lang="zh-CN" altLang="en-US" smtClean="0"/>
-              <a:t>2017/5/8</a:t>
+              <a:t>2017/5/9</a:t>
             </a:fld>
             <a:endParaRPr lang="zh-CN" altLang="en-US"/>
           </a:p>
@@ -2230,7 +2231,7 @@
           <a:p>
             <a:fld id="{54276B0A-3273-40F0-AF33-3297F075264A}" type="datetimeFigureOut">
               <a:rPr lang="zh-CN" altLang="en-US" smtClean="0"/>
-              <a:t>2017/5/8</a:t>
+              <a:t>2017/5/9</a:t>
             </a:fld>
             <a:endParaRPr lang="zh-CN" altLang="en-US"/>
           </a:p>
@@ -2579,7 +2580,7 @@
           <a:p>
             <a:fld id="{54276B0A-3273-40F0-AF33-3297F075264A}" type="datetimeFigureOut">
               <a:rPr lang="zh-CN" altLang="en-US" smtClean="0"/>
-              <a:t>2017/5/8</a:t>
+              <a:t>2017/5/9</a:t>
             </a:fld>
             <a:endParaRPr lang="zh-CN" altLang="en-US"/>
           </a:p>
@@ -2956,7 +2957,7 @@
           <a:p>
             <a:fld id="{54276B0A-3273-40F0-AF33-3297F075264A}" type="datetimeFigureOut">
               <a:rPr lang="zh-CN" altLang="en-US" smtClean="0"/>
-              <a:t>2017/5/8</a:t>
+              <a:t>2017/5/9</a:t>
             </a:fld>
             <a:endParaRPr lang="zh-CN" altLang="en-US"/>
           </a:p>
@@ -3238,7 +3239,7 @@
           <a:p>
             <a:fld id="{54276B0A-3273-40F0-AF33-3297F075264A}" type="datetimeFigureOut">
               <a:rPr lang="zh-CN" altLang="en-US" smtClean="0"/>
-              <a:t>2017/5/8</a:t>
+              <a:t>2017/5/9</a:t>
             </a:fld>
             <a:endParaRPr lang="zh-CN" altLang="en-US"/>
           </a:p>
@@ -3835,6 +3836,1142 @@
 </p:sld>
 </file>
 
+<file path=ppt/slides/slide10.xml><?xml version="1.0" encoding="utf-8"?>
+<p:sld xmlns:a="http://schemas.openxmlformats.org/drawingml/2006/main" xmlns:r="http://schemas.openxmlformats.org/officeDocument/2006/relationships" xmlns:p="http://schemas.openxmlformats.org/presentationml/2006/main">
+  <p:cSld>
+    <p:spTree>
+      <p:nvGrpSpPr>
+        <p:cNvPr id="1" name=""/>
+        <p:cNvGrpSpPr/>
+        <p:nvPr/>
+      </p:nvGrpSpPr>
+      <p:grpSpPr>
+        <a:xfrm>
+          <a:off x="0" y="0"/>
+          <a:ext cx="0" cy="0"/>
+          <a:chOff x="0" y="0"/>
+          <a:chExt cx="0" cy="0"/>
+        </a:xfrm>
+      </p:grpSpPr>
+      <p:sp>
+        <p:nvSpPr>
+          <p:cNvPr id="6" name="矩形 5"/>
+          <p:cNvSpPr/>
+          <p:nvPr/>
+        </p:nvSpPr>
+        <p:spPr>
+          <a:xfrm>
+            <a:off x="903767" y="1727638"/>
+            <a:ext cx="925033" cy="2062717"/>
+          </a:xfrm>
+          <a:prstGeom prst="rect">
+            <a:avLst/>
+          </a:prstGeom>
+        </p:spPr>
+        <p:style>
+          <a:lnRef idx="2">
+            <a:schemeClr val="accent1">
+              <a:shade val="50000"/>
+            </a:schemeClr>
+          </a:lnRef>
+          <a:fillRef idx="1">
+            <a:schemeClr val="accent1"/>
+          </a:fillRef>
+          <a:effectRef idx="0">
+            <a:schemeClr val="accent1"/>
+          </a:effectRef>
+          <a:fontRef idx="minor">
+            <a:schemeClr val="lt1"/>
+          </a:fontRef>
+        </p:style>
+        <p:txBody>
+          <a:bodyPr rot="0" spcFirstLastPara="0" vertOverflow="overflow" horzOverflow="overflow" vert="horz" wrap="square" lIns="91440" tIns="45720" rIns="91440" bIns="45720" numCol="1" spcCol="0" rtlCol="0" fromWordArt="0" anchor="ctr" anchorCtr="0" forceAA="0" compatLnSpc="1">
+            <a:prstTxWarp prst="textNoShape">
+              <a:avLst/>
+            </a:prstTxWarp>
+            <a:noAutofit/>
+          </a:bodyPr>
+          <a:lstStyle/>
+          <a:p>
+            <a:pPr algn="ctr"/>
+            <a:endParaRPr lang="zh-CN" altLang="en-US"/>
+          </a:p>
+        </p:txBody>
+      </p:sp>
+      <p:sp>
+        <p:nvSpPr>
+          <p:cNvPr id="4" name="矩形 3"/>
+          <p:cNvSpPr/>
+          <p:nvPr/>
+        </p:nvSpPr>
+        <p:spPr>
+          <a:xfrm>
+            <a:off x="903767" y="1714576"/>
+            <a:ext cx="10366745" cy="2062717"/>
+          </a:xfrm>
+          <a:prstGeom prst="rect">
+            <a:avLst/>
+          </a:prstGeom>
+          <a:noFill/>
+        </p:spPr>
+        <p:style>
+          <a:lnRef idx="2">
+            <a:schemeClr val="accent1">
+              <a:shade val="50000"/>
+            </a:schemeClr>
+          </a:lnRef>
+          <a:fillRef idx="1">
+            <a:schemeClr val="accent1"/>
+          </a:fillRef>
+          <a:effectRef idx="0">
+            <a:schemeClr val="accent1"/>
+          </a:effectRef>
+          <a:fontRef idx="minor">
+            <a:schemeClr val="lt1"/>
+          </a:fontRef>
+        </p:style>
+        <p:txBody>
+          <a:bodyPr rtlCol="0" anchor="ctr"/>
+          <a:lstStyle/>
+          <a:p>
+            <a:pPr algn="ctr"/>
+            <a:endParaRPr lang="zh-CN" altLang="en-US"/>
+          </a:p>
+        </p:txBody>
+      </p:sp>
+      <p:sp>
+        <p:nvSpPr>
+          <p:cNvPr id="5" name="文本框 4"/>
+          <p:cNvSpPr txBox="1"/>
+          <p:nvPr/>
+        </p:nvSpPr>
+        <p:spPr>
+          <a:xfrm>
+            <a:off x="903767" y="2561268"/>
+            <a:ext cx="1186290" cy="369332"/>
+          </a:xfrm>
+          <a:prstGeom prst="rect">
+            <a:avLst/>
+          </a:prstGeom>
+          <a:noFill/>
+        </p:spPr>
+        <p:txBody>
+          <a:bodyPr wrap="square" rtlCol="0">
+            <a:spAutoFit/>
+          </a:bodyPr>
+          <a:lstStyle/>
+          <a:p>
+            <a:r>
+              <a:rPr lang="en-US" altLang="zh-CN" dirty="0"/>
+              <a:t>r</a:t>
+            </a:r>
+            <a:r>
+              <a:rPr lang="en-US" altLang="zh-CN" dirty="0" smtClean="0"/>
+              <a:t>egion1</a:t>
+            </a:r>
+            <a:endParaRPr lang="zh-CN" altLang="en-US" dirty="0"/>
+          </a:p>
+        </p:txBody>
+      </p:sp>
+      <p:sp>
+        <p:nvSpPr>
+          <p:cNvPr id="8" name="文本框 7"/>
+          <p:cNvSpPr txBox="1"/>
+          <p:nvPr/>
+        </p:nvSpPr>
+        <p:spPr>
+          <a:xfrm>
+            <a:off x="1828800" y="1714576"/>
+            <a:ext cx="927463" cy="2031325"/>
+          </a:xfrm>
+          <a:prstGeom prst="rect">
+            <a:avLst/>
+          </a:prstGeom>
+          <a:noFill/>
+        </p:spPr>
+        <p:txBody>
+          <a:bodyPr wrap="square" rtlCol="0">
+            <a:spAutoFit/>
+          </a:bodyPr>
+          <a:lstStyle/>
+          <a:p>
+            <a:r>
+              <a:rPr lang="en-US" altLang="zh-CN" dirty="0"/>
+              <a:t>p</a:t>
+            </a:r>
+            <a:r>
+              <a:rPr lang="en-US" altLang="zh-CN" dirty="0" smtClean="0"/>
+              <a:t>aram1</a:t>
+            </a:r>
+          </a:p>
+          <a:p>
+            <a:endParaRPr lang="en-US" altLang="zh-CN" dirty="0"/>
+          </a:p>
+          <a:p>
+            <a:r>
+              <a:rPr lang="en-US" altLang="zh-CN" dirty="0"/>
+              <a:t>p</a:t>
+            </a:r>
+            <a:r>
+              <a:rPr lang="en-US" altLang="zh-CN" dirty="0" smtClean="0"/>
+              <a:t>aram2</a:t>
+            </a:r>
+          </a:p>
+          <a:p>
+            <a:endParaRPr lang="en-US" altLang="zh-CN" dirty="0"/>
+          </a:p>
+          <a:p>
+            <a:r>
+              <a:rPr lang="en-US" altLang="zh-CN" dirty="0"/>
+              <a:t>p</a:t>
+            </a:r>
+            <a:r>
+              <a:rPr lang="en-US" altLang="zh-CN" dirty="0" smtClean="0"/>
+              <a:t>aram3</a:t>
+            </a:r>
+          </a:p>
+          <a:p>
+            <a:endParaRPr lang="en-US" altLang="zh-CN" dirty="0"/>
+          </a:p>
+          <a:p>
+            <a:r>
+              <a:rPr lang="en-US" altLang="zh-CN" dirty="0" smtClean="0"/>
+              <a:t>param4</a:t>
+            </a:r>
+            <a:endParaRPr lang="zh-CN" altLang="en-US" dirty="0"/>
+          </a:p>
+        </p:txBody>
+      </p:sp>
+      <p:sp>
+        <p:nvSpPr>
+          <p:cNvPr id="9" name="文本框 8"/>
+          <p:cNvSpPr txBox="1"/>
+          <p:nvPr/>
+        </p:nvSpPr>
+        <p:spPr>
+          <a:xfrm>
+            <a:off x="4463699" y="1759030"/>
+            <a:ext cx="927463" cy="2031325"/>
+          </a:xfrm>
+          <a:prstGeom prst="rect">
+            <a:avLst/>
+          </a:prstGeom>
+          <a:noFill/>
+        </p:spPr>
+        <p:txBody>
+          <a:bodyPr wrap="square" rtlCol="0">
+            <a:spAutoFit/>
+          </a:bodyPr>
+          <a:lstStyle/>
+          <a:p>
+            <a:r>
+              <a:rPr lang="en-US" altLang="zh-CN" dirty="0" smtClean="0"/>
+              <a:t>100</a:t>
+            </a:r>
+          </a:p>
+          <a:p>
+            <a:endParaRPr lang="en-US" altLang="zh-CN" dirty="0"/>
+          </a:p>
+          <a:p>
+            <a:r>
+              <a:rPr lang="en-US" altLang="zh-CN" dirty="0" smtClean="0"/>
+              <a:t>100</a:t>
+            </a:r>
+          </a:p>
+          <a:p>
+            <a:endParaRPr lang="en-US" altLang="zh-CN" dirty="0"/>
+          </a:p>
+          <a:p>
+            <a:r>
+              <a:rPr lang="en-US" altLang="zh-CN" dirty="0" smtClean="0"/>
+              <a:t>100</a:t>
+            </a:r>
+          </a:p>
+          <a:p>
+            <a:endParaRPr lang="en-US" altLang="zh-CN" dirty="0"/>
+          </a:p>
+          <a:p>
+            <a:r>
+              <a:rPr lang="en-US" altLang="zh-CN" dirty="0" smtClean="0"/>
+              <a:t>100</a:t>
+            </a:r>
+            <a:endParaRPr lang="zh-CN" altLang="en-US" dirty="0"/>
+          </a:p>
+        </p:txBody>
+      </p:sp>
+      <p:sp>
+        <p:nvSpPr>
+          <p:cNvPr id="10" name="文本框 9"/>
+          <p:cNvSpPr txBox="1"/>
+          <p:nvPr/>
+        </p:nvSpPr>
+        <p:spPr>
+          <a:xfrm>
+            <a:off x="8940462" y="1701514"/>
+            <a:ext cx="927463" cy="2031325"/>
+          </a:xfrm>
+          <a:prstGeom prst="rect">
+            <a:avLst/>
+          </a:prstGeom>
+          <a:noFill/>
+        </p:spPr>
+        <p:txBody>
+          <a:bodyPr wrap="square" rtlCol="0">
+            <a:spAutoFit/>
+          </a:bodyPr>
+          <a:lstStyle/>
+          <a:p>
+            <a:r>
+              <a:rPr lang="en-US" altLang="zh-CN" b="1" dirty="0" smtClean="0">
+                <a:solidFill>
+                  <a:srgbClr val="66FF99"/>
+                </a:solidFill>
+              </a:rPr>
+              <a:t>95</a:t>
+            </a:r>
+            <a:r>
+              <a:rPr lang="zh-CN" altLang="en-US" b="1" dirty="0" smtClean="0">
+                <a:solidFill>
+                  <a:srgbClr val="66FF99"/>
+                </a:solidFill>
+              </a:rPr>
+              <a:t>↓</a:t>
+            </a:r>
+            <a:endParaRPr lang="en-US" altLang="zh-CN" b="1" dirty="0" smtClean="0">
+              <a:solidFill>
+                <a:srgbClr val="66FF99"/>
+              </a:solidFill>
+            </a:endParaRPr>
+          </a:p>
+          <a:p>
+            <a:endParaRPr lang="en-US" altLang="zh-CN" dirty="0"/>
+          </a:p>
+          <a:p>
+            <a:r>
+              <a:rPr lang="en-US" altLang="zh-CN" dirty="0" smtClean="0">
+                <a:solidFill>
+                  <a:srgbClr val="FF5050"/>
+                </a:solidFill>
+              </a:rPr>
+              <a:t>106</a:t>
+            </a:r>
+            <a:r>
+              <a:rPr lang="zh-CN" altLang="en-US" dirty="0" smtClean="0">
+                <a:solidFill>
+                  <a:srgbClr val="FF5050"/>
+                </a:solidFill>
+              </a:rPr>
+              <a:t>↑</a:t>
+            </a:r>
+            <a:endParaRPr lang="en-US" altLang="zh-CN" dirty="0" smtClean="0">
+              <a:solidFill>
+                <a:srgbClr val="FF5050"/>
+              </a:solidFill>
+            </a:endParaRPr>
+          </a:p>
+          <a:p>
+            <a:endParaRPr lang="en-US" altLang="zh-CN" dirty="0"/>
+          </a:p>
+          <a:p>
+            <a:r>
+              <a:rPr lang="en-US" altLang="zh-CN" b="1" dirty="0" smtClean="0">
+                <a:solidFill>
+                  <a:srgbClr val="00CC00"/>
+                </a:solidFill>
+              </a:rPr>
+              <a:t>87</a:t>
+            </a:r>
+            <a:r>
+              <a:rPr lang="zh-CN" altLang="en-US" b="1" dirty="0" smtClean="0">
+                <a:solidFill>
+                  <a:srgbClr val="00CC00"/>
+                </a:solidFill>
+              </a:rPr>
+              <a:t>↓</a:t>
+            </a:r>
+            <a:endParaRPr lang="en-US" altLang="zh-CN" b="1" dirty="0">
+              <a:solidFill>
+                <a:srgbClr val="00CC00"/>
+              </a:solidFill>
+            </a:endParaRPr>
+          </a:p>
+          <a:p>
+            <a:endParaRPr lang="en-US" altLang="zh-CN" dirty="0"/>
+          </a:p>
+          <a:p>
+            <a:r>
+              <a:rPr lang="en-US" altLang="zh-CN" b="1" dirty="0" smtClean="0">
+                <a:solidFill>
+                  <a:srgbClr val="FB3925"/>
+                </a:solidFill>
+              </a:rPr>
+              <a:t>135</a:t>
+            </a:r>
+            <a:r>
+              <a:rPr lang="zh-CN" altLang="en-US" b="1" dirty="0">
+                <a:solidFill>
+                  <a:srgbClr val="FB3925"/>
+                </a:solidFill>
+              </a:rPr>
+              <a:t>↑</a:t>
+            </a:r>
+            <a:endParaRPr lang="en-US" altLang="zh-CN" b="1" dirty="0">
+              <a:solidFill>
+                <a:srgbClr val="FB3925"/>
+              </a:solidFill>
+            </a:endParaRPr>
+          </a:p>
+        </p:txBody>
+      </p:sp>
+      <p:sp>
+        <p:nvSpPr>
+          <p:cNvPr id="11" name="矩形 10"/>
+          <p:cNvSpPr/>
+          <p:nvPr/>
+        </p:nvSpPr>
+        <p:spPr>
+          <a:xfrm>
+            <a:off x="903767" y="3996221"/>
+            <a:ext cx="925033" cy="2062717"/>
+          </a:xfrm>
+          <a:prstGeom prst="rect">
+            <a:avLst/>
+          </a:prstGeom>
+        </p:spPr>
+        <p:style>
+          <a:lnRef idx="2">
+            <a:schemeClr val="accent1">
+              <a:shade val="50000"/>
+            </a:schemeClr>
+          </a:lnRef>
+          <a:fillRef idx="1">
+            <a:schemeClr val="accent1"/>
+          </a:fillRef>
+          <a:effectRef idx="0">
+            <a:schemeClr val="accent1"/>
+          </a:effectRef>
+          <a:fontRef idx="minor">
+            <a:schemeClr val="lt1"/>
+          </a:fontRef>
+        </p:style>
+        <p:txBody>
+          <a:bodyPr rot="0" spcFirstLastPara="0" vertOverflow="overflow" horzOverflow="overflow" vert="horz" wrap="square" lIns="91440" tIns="45720" rIns="91440" bIns="45720" numCol="1" spcCol="0" rtlCol="0" fromWordArt="0" anchor="ctr" anchorCtr="0" forceAA="0" compatLnSpc="1">
+            <a:prstTxWarp prst="textNoShape">
+              <a:avLst/>
+            </a:prstTxWarp>
+            <a:noAutofit/>
+          </a:bodyPr>
+          <a:lstStyle/>
+          <a:p>
+            <a:pPr algn="ctr"/>
+            <a:endParaRPr lang="zh-CN" altLang="en-US"/>
+          </a:p>
+        </p:txBody>
+      </p:sp>
+      <p:sp>
+        <p:nvSpPr>
+          <p:cNvPr id="12" name="矩形 11"/>
+          <p:cNvSpPr/>
+          <p:nvPr/>
+        </p:nvSpPr>
+        <p:spPr>
+          <a:xfrm>
+            <a:off x="903767" y="3983159"/>
+            <a:ext cx="10366745" cy="2062717"/>
+          </a:xfrm>
+          <a:prstGeom prst="rect">
+            <a:avLst/>
+          </a:prstGeom>
+          <a:noFill/>
+        </p:spPr>
+        <p:style>
+          <a:lnRef idx="2">
+            <a:schemeClr val="accent1">
+              <a:shade val="50000"/>
+            </a:schemeClr>
+          </a:lnRef>
+          <a:fillRef idx="1">
+            <a:schemeClr val="accent1"/>
+          </a:fillRef>
+          <a:effectRef idx="0">
+            <a:schemeClr val="accent1"/>
+          </a:effectRef>
+          <a:fontRef idx="minor">
+            <a:schemeClr val="lt1"/>
+          </a:fontRef>
+        </p:style>
+        <p:txBody>
+          <a:bodyPr rtlCol="0" anchor="ctr"/>
+          <a:lstStyle/>
+          <a:p>
+            <a:pPr algn="ctr"/>
+            <a:endParaRPr lang="zh-CN" altLang="en-US"/>
+          </a:p>
+        </p:txBody>
+      </p:sp>
+      <p:sp>
+        <p:nvSpPr>
+          <p:cNvPr id="13" name="文本框 12"/>
+          <p:cNvSpPr txBox="1"/>
+          <p:nvPr/>
+        </p:nvSpPr>
+        <p:spPr>
+          <a:xfrm>
+            <a:off x="903767" y="4829851"/>
+            <a:ext cx="1186290" cy="369332"/>
+          </a:xfrm>
+          <a:prstGeom prst="rect">
+            <a:avLst/>
+          </a:prstGeom>
+          <a:noFill/>
+        </p:spPr>
+        <p:txBody>
+          <a:bodyPr wrap="square" rtlCol="0">
+            <a:spAutoFit/>
+          </a:bodyPr>
+          <a:lstStyle/>
+          <a:p>
+            <a:r>
+              <a:rPr lang="en-US" altLang="zh-CN" dirty="0"/>
+              <a:t>r</a:t>
+            </a:r>
+            <a:r>
+              <a:rPr lang="en-US" altLang="zh-CN" dirty="0" smtClean="0"/>
+              <a:t>egion2</a:t>
+            </a:r>
+            <a:endParaRPr lang="zh-CN" altLang="en-US" dirty="0"/>
+          </a:p>
+        </p:txBody>
+      </p:sp>
+      <p:sp>
+        <p:nvSpPr>
+          <p:cNvPr id="14" name="文本框 13"/>
+          <p:cNvSpPr txBox="1"/>
+          <p:nvPr/>
+        </p:nvSpPr>
+        <p:spPr>
+          <a:xfrm>
+            <a:off x="1828800" y="3983159"/>
+            <a:ext cx="927463" cy="2031325"/>
+          </a:xfrm>
+          <a:prstGeom prst="rect">
+            <a:avLst/>
+          </a:prstGeom>
+          <a:noFill/>
+        </p:spPr>
+        <p:txBody>
+          <a:bodyPr wrap="square" rtlCol="0">
+            <a:spAutoFit/>
+          </a:bodyPr>
+          <a:lstStyle/>
+          <a:p>
+            <a:r>
+              <a:rPr lang="en-US" altLang="zh-CN" dirty="0"/>
+              <a:t>p</a:t>
+            </a:r>
+            <a:r>
+              <a:rPr lang="en-US" altLang="zh-CN" dirty="0" smtClean="0"/>
+              <a:t>aram1</a:t>
+            </a:r>
+          </a:p>
+          <a:p>
+            <a:endParaRPr lang="en-US" altLang="zh-CN" dirty="0"/>
+          </a:p>
+          <a:p>
+            <a:r>
+              <a:rPr lang="en-US" altLang="zh-CN" dirty="0"/>
+              <a:t>p</a:t>
+            </a:r>
+            <a:r>
+              <a:rPr lang="en-US" altLang="zh-CN" dirty="0" smtClean="0"/>
+              <a:t>aram2</a:t>
+            </a:r>
+          </a:p>
+          <a:p>
+            <a:endParaRPr lang="en-US" altLang="zh-CN" dirty="0"/>
+          </a:p>
+          <a:p>
+            <a:r>
+              <a:rPr lang="en-US" altLang="zh-CN" dirty="0"/>
+              <a:t>p</a:t>
+            </a:r>
+            <a:r>
+              <a:rPr lang="en-US" altLang="zh-CN" dirty="0" smtClean="0"/>
+              <a:t>aram3</a:t>
+            </a:r>
+          </a:p>
+          <a:p>
+            <a:endParaRPr lang="en-US" altLang="zh-CN" dirty="0"/>
+          </a:p>
+          <a:p>
+            <a:r>
+              <a:rPr lang="en-US" altLang="zh-CN" dirty="0" smtClean="0"/>
+              <a:t>param4</a:t>
+            </a:r>
+            <a:endParaRPr lang="zh-CN" altLang="en-US" dirty="0"/>
+          </a:p>
+        </p:txBody>
+      </p:sp>
+      <p:sp>
+        <p:nvSpPr>
+          <p:cNvPr id="15" name="文本框 14"/>
+          <p:cNvSpPr txBox="1"/>
+          <p:nvPr/>
+        </p:nvSpPr>
+        <p:spPr>
+          <a:xfrm>
+            <a:off x="4463698" y="4011916"/>
+            <a:ext cx="927463" cy="2031325"/>
+          </a:xfrm>
+          <a:prstGeom prst="rect">
+            <a:avLst/>
+          </a:prstGeom>
+          <a:noFill/>
+        </p:spPr>
+        <p:txBody>
+          <a:bodyPr wrap="square" rtlCol="0">
+            <a:spAutoFit/>
+          </a:bodyPr>
+          <a:lstStyle/>
+          <a:p>
+            <a:r>
+              <a:rPr lang="en-US" altLang="zh-CN" dirty="0" smtClean="0"/>
+              <a:t>100</a:t>
+            </a:r>
+          </a:p>
+          <a:p>
+            <a:endParaRPr lang="en-US" altLang="zh-CN" dirty="0"/>
+          </a:p>
+          <a:p>
+            <a:r>
+              <a:rPr lang="en-US" altLang="zh-CN" dirty="0" smtClean="0"/>
+              <a:t>100</a:t>
+            </a:r>
+          </a:p>
+          <a:p>
+            <a:endParaRPr lang="en-US" altLang="zh-CN" dirty="0"/>
+          </a:p>
+          <a:p>
+            <a:r>
+              <a:rPr lang="en-US" altLang="zh-CN" dirty="0" smtClean="0"/>
+              <a:t>100</a:t>
+            </a:r>
+          </a:p>
+          <a:p>
+            <a:endParaRPr lang="en-US" altLang="zh-CN" dirty="0"/>
+          </a:p>
+          <a:p>
+            <a:r>
+              <a:rPr lang="en-US" altLang="zh-CN" dirty="0" smtClean="0"/>
+              <a:t>100</a:t>
+            </a:r>
+            <a:endParaRPr lang="zh-CN" altLang="en-US" dirty="0"/>
+          </a:p>
+        </p:txBody>
+      </p:sp>
+      <p:sp>
+        <p:nvSpPr>
+          <p:cNvPr id="16" name="文本框 15"/>
+          <p:cNvSpPr txBox="1"/>
+          <p:nvPr/>
+        </p:nvSpPr>
+        <p:spPr>
+          <a:xfrm>
+            <a:off x="8940462" y="3970097"/>
+            <a:ext cx="927463" cy="2031325"/>
+          </a:xfrm>
+          <a:prstGeom prst="rect">
+            <a:avLst/>
+          </a:prstGeom>
+          <a:noFill/>
+        </p:spPr>
+        <p:txBody>
+          <a:bodyPr wrap="square" rtlCol="0">
+            <a:spAutoFit/>
+          </a:bodyPr>
+          <a:lstStyle/>
+          <a:p>
+            <a:r>
+              <a:rPr lang="en-US" altLang="zh-CN" b="1" dirty="0" smtClean="0">
+                <a:solidFill>
+                  <a:srgbClr val="006600"/>
+                </a:solidFill>
+              </a:rPr>
+              <a:t>45</a:t>
+            </a:r>
+            <a:r>
+              <a:rPr lang="zh-CN" altLang="en-US" b="1" dirty="0" smtClean="0">
+                <a:solidFill>
+                  <a:srgbClr val="006600"/>
+                </a:solidFill>
+              </a:rPr>
+              <a:t>↓</a:t>
+            </a:r>
+            <a:endParaRPr lang="en-US" altLang="zh-CN" b="1" dirty="0" smtClean="0">
+              <a:solidFill>
+                <a:srgbClr val="006600"/>
+              </a:solidFill>
+            </a:endParaRPr>
+          </a:p>
+          <a:p>
+            <a:endParaRPr lang="en-US" altLang="zh-CN" dirty="0"/>
+          </a:p>
+          <a:p>
+            <a:r>
+              <a:rPr lang="en-US" altLang="zh-CN" dirty="0" smtClean="0"/>
+              <a:t>100</a:t>
+            </a:r>
+            <a:endParaRPr lang="en-US" altLang="zh-CN" dirty="0" smtClean="0">
+              <a:solidFill>
+                <a:srgbClr val="FF5050"/>
+              </a:solidFill>
+            </a:endParaRPr>
+          </a:p>
+          <a:p>
+            <a:endParaRPr lang="en-US" altLang="zh-CN" dirty="0"/>
+          </a:p>
+          <a:p>
+            <a:r>
+              <a:rPr lang="en-US" altLang="zh-CN" b="1" dirty="0" smtClean="0">
+                <a:solidFill>
+                  <a:srgbClr val="33CC33"/>
+                </a:solidFill>
+              </a:rPr>
+              <a:t>76</a:t>
+            </a:r>
+            <a:r>
+              <a:rPr lang="zh-CN" altLang="en-US" b="1" dirty="0" smtClean="0">
+                <a:solidFill>
+                  <a:srgbClr val="33CC33"/>
+                </a:solidFill>
+              </a:rPr>
+              <a:t>↓</a:t>
+            </a:r>
+            <a:endParaRPr lang="en-US" altLang="zh-CN" b="1" dirty="0">
+              <a:solidFill>
+                <a:srgbClr val="33CC33"/>
+              </a:solidFill>
+            </a:endParaRPr>
+          </a:p>
+          <a:p>
+            <a:endParaRPr lang="en-US" altLang="zh-CN" dirty="0"/>
+          </a:p>
+          <a:p>
+            <a:r>
+              <a:rPr lang="en-US" altLang="zh-CN" b="1" dirty="0" smtClean="0">
+                <a:solidFill>
+                  <a:srgbClr val="A50021"/>
+                </a:solidFill>
+              </a:rPr>
+              <a:t>203</a:t>
+            </a:r>
+            <a:r>
+              <a:rPr lang="zh-CN" altLang="en-US" b="1" dirty="0" smtClean="0">
+                <a:solidFill>
+                  <a:srgbClr val="A50021"/>
+                </a:solidFill>
+              </a:rPr>
+              <a:t>↑</a:t>
+            </a:r>
+            <a:endParaRPr lang="en-US" altLang="zh-CN" b="1" dirty="0">
+              <a:solidFill>
+                <a:srgbClr val="A50021"/>
+              </a:solidFill>
+            </a:endParaRPr>
+          </a:p>
+        </p:txBody>
+      </p:sp>
+      <p:sp>
+        <p:nvSpPr>
+          <p:cNvPr id="17" name="矩形 16"/>
+          <p:cNvSpPr/>
+          <p:nvPr/>
+        </p:nvSpPr>
+        <p:spPr>
+          <a:xfrm>
+            <a:off x="903767" y="1136469"/>
+            <a:ext cx="10366745" cy="444137"/>
+          </a:xfrm>
+          <a:prstGeom prst="rect">
+            <a:avLst/>
+          </a:prstGeom>
+          <a:noFill/>
+        </p:spPr>
+        <p:style>
+          <a:lnRef idx="2">
+            <a:schemeClr val="accent1">
+              <a:shade val="50000"/>
+            </a:schemeClr>
+          </a:lnRef>
+          <a:fillRef idx="1">
+            <a:schemeClr val="accent1"/>
+          </a:fillRef>
+          <a:effectRef idx="0">
+            <a:schemeClr val="accent1"/>
+          </a:effectRef>
+          <a:fontRef idx="minor">
+            <a:schemeClr val="lt1"/>
+          </a:fontRef>
+        </p:style>
+        <p:txBody>
+          <a:bodyPr rot="0" spcFirstLastPara="0" vertOverflow="overflow" horzOverflow="overflow" vert="horz" wrap="square" lIns="91440" tIns="45720" rIns="91440" bIns="45720" numCol="1" spcCol="0" rtlCol="0" fromWordArt="0" anchor="ctr" anchorCtr="0" forceAA="0" compatLnSpc="1">
+            <a:prstTxWarp prst="textNoShape">
+              <a:avLst/>
+            </a:prstTxWarp>
+            <a:noAutofit/>
+          </a:bodyPr>
+          <a:lstStyle/>
+          <a:p>
+            <a:pPr algn="ctr"/>
+            <a:endParaRPr lang="zh-CN" altLang="en-US"/>
+          </a:p>
+        </p:txBody>
+      </p:sp>
+      <p:cxnSp>
+        <p:nvCxnSpPr>
+          <p:cNvPr id="19" name="直接连接符 18"/>
+          <p:cNvCxnSpPr/>
+          <p:nvPr/>
+        </p:nvCxnSpPr>
+        <p:spPr>
+          <a:xfrm>
+            <a:off x="1828800" y="1136469"/>
+            <a:ext cx="0" cy="444137"/>
+          </a:xfrm>
+          <a:prstGeom prst="line">
+            <a:avLst/>
+          </a:prstGeom>
+        </p:spPr>
+        <p:style>
+          <a:lnRef idx="1">
+            <a:schemeClr val="accent1"/>
+          </a:lnRef>
+          <a:fillRef idx="0">
+            <a:schemeClr val="accent1"/>
+          </a:fillRef>
+          <a:effectRef idx="0">
+            <a:schemeClr val="accent1"/>
+          </a:effectRef>
+          <a:fontRef idx="minor">
+            <a:schemeClr val="tx1"/>
+          </a:fontRef>
+        </p:style>
+      </p:cxnSp>
+      <p:cxnSp>
+        <p:nvCxnSpPr>
+          <p:cNvPr id="20" name="直接连接符 19"/>
+          <p:cNvCxnSpPr/>
+          <p:nvPr/>
+        </p:nvCxnSpPr>
+        <p:spPr>
+          <a:xfrm>
+            <a:off x="2725783" y="1136469"/>
+            <a:ext cx="0" cy="444137"/>
+          </a:xfrm>
+          <a:prstGeom prst="line">
+            <a:avLst/>
+          </a:prstGeom>
+        </p:spPr>
+        <p:style>
+          <a:lnRef idx="1">
+            <a:schemeClr val="accent1"/>
+          </a:lnRef>
+          <a:fillRef idx="0">
+            <a:schemeClr val="accent1"/>
+          </a:fillRef>
+          <a:effectRef idx="0">
+            <a:schemeClr val="accent1"/>
+          </a:effectRef>
+          <a:fontRef idx="minor">
+            <a:schemeClr val="tx1"/>
+          </a:fontRef>
+        </p:style>
+      </p:cxnSp>
+      <p:cxnSp>
+        <p:nvCxnSpPr>
+          <p:cNvPr id="21" name="直接连接符 20"/>
+          <p:cNvCxnSpPr/>
+          <p:nvPr/>
+        </p:nvCxnSpPr>
+        <p:spPr>
+          <a:xfrm>
+            <a:off x="6980477" y="1136469"/>
+            <a:ext cx="0" cy="444137"/>
+          </a:xfrm>
+          <a:prstGeom prst="line">
+            <a:avLst/>
+          </a:prstGeom>
+        </p:spPr>
+        <p:style>
+          <a:lnRef idx="1">
+            <a:schemeClr val="accent1"/>
+          </a:lnRef>
+          <a:fillRef idx="0">
+            <a:schemeClr val="accent1"/>
+          </a:fillRef>
+          <a:effectRef idx="0">
+            <a:schemeClr val="accent1"/>
+          </a:effectRef>
+          <a:fontRef idx="minor">
+            <a:schemeClr val="tx1"/>
+          </a:fontRef>
+        </p:style>
+      </p:cxnSp>
+      <p:cxnSp>
+        <p:nvCxnSpPr>
+          <p:cNvPr id="22" name="直接连接符 21"/>
+          <p:cNvCxnSpPr/>
+          <p:nvPr/>
+        </p:nvCxnSpPr>
+        <p:spPr>
+          <a:xfrm>
+            <a:off x="2725783" y="1701514"/>
+            <a:ext cx="0" cy="2088841"/>
+          </a:xfrm>
+          <a:prstGeom prst="line">
+            <a:avLst/>
+          </a:prstGeom>
+        </p:spPr>
+        <p:style>
+          <a:lnRef idx="1">
+            <a:schemeClr val="accent1"/>
+          </a:lnRef>
+          <a:fillRef idx="0">
+            <a:schemeClr val="accent1"/>
+          </a:fillRef>
+          <a:effectRef idx="0">
+            <a:schemeClr val="accent1"/>
+          </a:effectRef>
+          <a:fontRef idx="minor">
+            <a:schemeClr val="tx1"/>
+          </a:fontRef>
+        </p:style>
+      </p:cxnSp>
+      <p:cxnSp>
+        <p:nvCxnSpPr>
+          <p:cNvPr id="25" name="直接连接符 24"/>
+          <p:cNvCxnSpPr/>
+          <p:nvPr/>
+        </p:nvCxnSpPr>
+        <p:spPr>
+          <a:xfrm>
+            <a:off x="2725783" y="3983159"/>
+            <a:ext cx="0" cy="2088841"/>
+          </a:xfrm>
+          <a:prstGeom prst="line">
+            <a:avLst/>
+          </a:prstGeom>
+        </p:spPr>
+        <p:style>
+          <a:lnRef idx="1">
+            <a:schemeClr val="accent1"/>
+          </a:lnRef>
+          <a:fillRef idx="0">
+            <a:schemeClr val="accent1"/>
+          </a:fillRef>
+          <a:effectRef idx="0">
+            <a:schemeClr val="accent1"/>
+          </a:effectRef>
+          <a:fontRef idx="minor">
+            <a:schemeClr val="tx1"/>
+          </a:fontRef>
+        </p:style>
+      </p:cxnSp>
+      <p:cxnSp>
+        <p:nvCxnSpPr>
+          <p:cNvPr id="26" name="直接连接符 25"/>
+          <p:cNvCxnSpPr/>
+          <p:nvPr/>
+        </p:nvCxnSpPr>
+        <p:spPr>
+          <a:xfrm>
+            <a:off x="6980477" y="1701512"/>
+            <a:ext cx="0" cy="2088841"/>
+          </a:xfrm>
+          <a:prstGeom prst="line">
+            <a:avLst/>
+          </a:prstGeom>
+        </p:spPr>
+        <p:style>
+          <a:lnRef idx="1">
+            <a:schemeClr val="accent1"/>
+          </a:lnRef>
+          <a:fillRef idx="0">
+            <a:schemeClr val="accent1"/>
+          </a:fillRef>
+          <a:effectRef idx="0">
+            <a:schemeClr val="accent1"/>
+          </a:effectRef>
+          <a:fontRef idx="minor">
+            <a:schemeClr val="tx1"/>
+          </a:fontRef>
+        </p:style>
+      </p:cxnSp>
+      <p:cxnSp>
+        <p:nvCxnSpPr>
+          <p:cNvPr id="27" name="直接连接符 26"/>
+          <p:cNvCxnSpPr/>
+          <p:nvPr/>
+        </p:nvCxnSpPr>
+        <p:spPr>
+          <a:xfrm>
+            <a:off x="6980477" y="3983158"/>
+            <a:ext cx="0" cy="2088841"/>
+          </a:xfrm>
+          <a:prstGeom prst="line">
+            <a:avLst/>
+          </a:prstGeom>
+        </p:spPr>
+        <p:style>
+          <a:lnRef idx="1">
+            <a:schemeClr val="accent1"/>
+          </a:lnRef>
+          <a:fillRef idx="0">
+            <a:schemeClr val="accent1"/>
+          </a:fillRef>
+          <a:effectRef idx="0">
+            <a:schemeClr val="accent1"/>
+          </a:effectRef>
+          <a:fontRef idx="minor">
+            <a:schemeClr val="tx1"/>
+          </a:fontRef>
+        </p:style>
+      </p:cxnSp>
+      <p:sp>
+        <p:nvSpPr>
+          <p:cNvPr id="28" name="文本框 27"/>
+          <p:cNvSpPr txBox="1"/>
+          <p:nvPr/>
+        </p:nvSpPr>
+        <p:spPr>
+          <a:xfrm>
+            <a:off x="946601" y="1186805"/>
+            <a:ext cx="1186290" cy="369332"/>
+          </a:xfrm>
+          <a:prstGeom prst="rect">
+            <a:avLst/>
+          </a:prstGeom>
+          <a:noFill/>
+        </p:spPr>
+        <p:txBody>
+          <a:bodyPr wrap="square" rtlCol="0">
+            <a:spAutoFit/>
+          </a:bodyPr>
+          <a:lstStyle/>
+          <a:p>
+            <a:r>
+              <a:rPr lang="en-US" altLang="zh-CN" dirty="0"/>
+              <a:t>r</a:t>
+            </a:r>
+            <a:r>
+              <a:rPr lang="en-US" altLang="zh-CN" dirty="0" smtClean="0"/>
+              <a:t>egion</a:t>
+            </a:r>
+            <a:endParaRPr lang="zh-CN" altLang="en-US" dirty="0"/>
+          </a:p>
+        </p:txBody>
+      </p:sp>
+      <p:sp>
+        <p:nvSpPr>
+          <p:cNvPr id="29" name="文本框 28"/>
+          <p:cNvSpPr txBox="1"/>
+          <p:nvPr/>
+        </p:nvSpPr>
+        <p:spPr>
+          <a:xfrm>
+            <a:off x="1867989" y="1171955"/>
+            <a:ext cx="1186290" cy="369332"/>
+          </a:xfrm>
+          <a:prstGeom prst="rect">
+            <a:avLst/>
+          </a:prstGeom>
+          <a:noFill/>
+        </p:spPr>
+        <p:txBody>
+          <a:bodyPr wrap="square" rtlCol="0">
+            <a:spAutoFit/>
+          </a:bodyPr>
+          <a:lstStyle/>
+          <a:p>
+            <a:r>
+              <a:rPr lang="en-US" altLang="zh-CN" dirty="0" err="1" smtClean="0"/>
+              <a:t>param</a:t>
+            </a:r>
+            <a:endParaRPr lang="zh-CN" altLang="en-US" dirty="0"/>
+          </a:p>
+        </p:txBody>
+      </p:sp>
+      <p:sp>
+        <p:nvSpPr>
+          <p:cNvPr id="30" name="文本框 29"/>
+          <p:cNvSpPr txBox="1"/>
+          <p:nvPr/>
+        </p:nvSpPr>
+        <p:spPr>
+          <a:xfrm>
+            <a:off x="4194540" y="1182805"/>
+            <a:ext cx="1186290" cy="369332"/>
+          </a:xfrm>
+          <a:prstGeom prst="rect">
+            <a:avLst/>
+          </a:prstGeom>
+          <a:noFill/>
+        </p:spPr>
+        <p:txBody>
+          <a:bodyPr wrap="square" rtlCol="0">
+            <a:spAutoFit/>
+          </a:bodyPr>
+          <a:lstStyle/>
+          <a:p>
+            <a:r>
+              <a:rPr lang="en-US" altLang="zh-CN" dirty="0" smtClean="0"/>
+              <a:t>configure1</a:t>
+            </a:r>
+          </a:p>
+        </p:txBody>
+      </p:sp>
+      <p:sp>
+        <p:nvSpPr>
+          <p:cNvPr id="31" name="文本框 30"/>
+          <p:cNvSpPr txBox="1"/>
+          <p:nvPr/>
+        </p:nvSpPr>
+        <p:spPr>
+          <a:xfrm>
+            <a:off x="8681635" y="1176650"/>
+            <a:ext cx="1186290" cy="369332"/>
+          </a:xfrm>
+          <a:prstGeom prst="rect">
+            <a:avLst/>
+          </a:prstGeom>
+          <a:noFill/>
+        </p:spPr>
+        <p:txBody>
+          <a:bodyPr wrap="square" rtlCol="0">
+            <a:spAutoFit/>
+          </a:bodyPr>
+          <a:lstStyle/>
+          <a:p>
+            <a:r>
+              <a:rPr lang="en-US" altLang="zh-CN" dirty="0" smtClean="0"/>
+              <a:t>configure2</a:t>
+            </a:r>
+          </a:p>
+        </p:txBody>
+      </p:sp>
+    </p:spTree>
+    <p:extLst>
+      <p:ext uri="{BB962C8B-B14F-4D97-AF65-F5344CB8AC3E}">
+        <p14:creationId xmlns:p14="http://schemas.microsoft.com/office/powerpoint/2010/main" val="1482713158"/>
+      </p:ext>
+    </p:extLst>
+  </p:cSld>
+  <p:clrMapOvr>
+    <a:masterClrMapping/>
+  </p:clrMapOvr>
+</p:sld>
+</file>
+
 <file path=ppt/slides/slide2.xml><?xml version="1.0" encoding="utf-8"?>
 <p:sld xmlns:a="http://schemas.openxmlformats.org/drawingml/2006/main" xmlns:r="http://schemas.openxmlformats.org/officeDocument/2006/relationships" xmlns:p="http://schemas.openxmlformats.org/presentationml/2006/main">
   <p:cSld>
@@ -5648,7 +6785,33 @@
       </a:bgFillStyleLst>
     </a:fmtScheme>
   </a:themeElements>
-  <a:objectDefaults/>
+  <a:objectDefaults>
+    <a:spDef>
+      <a:spPr/>
+      <a:bodyPr rtlCol="0" anchor="ctr"/>
+      <a:lstStyle>
+        <a:defPPr algn="ctr">
+          <a:defRPr/>
+        </a:defPPr>
+      </a:lstStyle>
+      <a:style>
+        <a:lnRef idx="2">
+          <a:schemeClr val="accent1">
+            <a:shade val="50000"/>
+          </a:schemeClr>
+        </a:lnRef>
+        <a:fillRef idx="1">
+          <a:schemeClr val="accent1"/>
+        </a:fillRef>
+        <a:effectRef idx="0">
+          <a:schemeClr val="accent1"/>
+        </a:effectRef>
+        <a:fontRef idx="minor">
+          <a:schemeClr val="lt1"/>
+        </a:fontRef>
+      </a:style>
+    </a:spDef>
+  </a:objectDefaults>
   <a:extraClrSchemeLst/>
   <a:extLst>
     <a:ext uri="{05A4C25C-085E-4340-85A3-A5531E510DB2}">

--- a/IBM-spark/IT Analytics-姚晗-5.8.pptx
+++ b/IBM-spark/IT Analytics-姚晗-5.8.pptx
@@ -5,15 +5,15 @@
     <p:sldMasterId id="2147483648" r:id="rId1"/>
   </p:sldMasterIdLst>
   <p:sldIdLst>
-    <p:sldId id="256" r:id="rId2"/>
-    <p:sldId id="259" r:id="rId3"/>
-    <p:sldId id="273" r:id="rId4"/>
-    <p:sldId id="271" r:id="rId5"/>
-    <p:sldId id="272" r:id="rId6"/>
-    <p:sldId id="274" r:id="rId7"/>
-    <p:sldId id="275" r:id="rId8"/>
-    <p:sldId id="276" r:id="rId9"/>
-    <p:sldId id="277" r:id="rId10"/>
+    <p:sldId id="256" r:id="rId3"/>
+    <p:sldId id="259" r:id="rId4"/>
+    <p:sldId id="273" r:id="rId5"/>
+    <p:sldId id="271" r:id="rId6"/>
+    <p:sldId id="272" r:id="rId7"/>
+    <p:sldId id="274" r:id="rId8"/>
+    <p:sldId id="275" r:id="rId9"/>
+    <p:sldId id="276" r:id="rId10"/>
+    <p:sldId id="277" r:id="rId11"/>
   </p:sldIdLst>
   <p:sldSz cx="12192000" cy="6858000"/>
   <p:notesSz cx="6858000" cy="9144000"/>
@@ -112,16 +112,11 @@
       </a:defRPr>
     </a:lvl9pPr>
   </p:defaultTextStyle>
-  <p:extLst>
-    <p:ext uri="{EFAFB233-063F-42B5-8137-9DF3F51BA10A}">
-      <p15:sldGuideLst xmlns:p15="http://schemas.microsoft.com/office/powerpoint/2012/main"/>
-    </p:ext>
-  </p:extLst>
 </p:presentation>
 </file>
 
 <file path=ppt/slideLayouts/slideLayout1.xml><?xml version="1.0" encoding="utf-8"?>
-<p:sldLayout xmlns:a="http://schemas.openxmlformats.org/drawingml/2006/main" xmlns:r="http://schemas.openxmlformats.org/officeDocument/2006/relationships" xmlns:p="http://schemas.openxmlformats.org/presentationml/2006/main" showMasterSp="0" type="title" preserve="1">
+<p:sldLayout xmlns:a="http://schemas.openxmlformats.org/drawingml/2006/main" xmlns:r="http://schemas.openxmlformats.org/officeDocument/2006/relationships" xmlns:p="http://schemas.openxmlformats.org/presentationml/2006/main" type="title" preserve="1" showMasterSp="0">
   <p:cSld name="标题幻灯片">
     <p:spTree>
       <p:nvGrpSpPr>
@@ -346,7 +341,6 @@
           <a:p>
             <a:fld id="{54276B0A-3273-40F0-AF33-3297F075264A}" type="datetimeFigureOut">
               <a:rPr lang="zh-CN" altLang="en-US" smtClean="0"/>
-              <a:t>2017/5/8</a:t>
             </a:fld>
             <a:endParaRPr lang="zh-CN" altLang="en-US"/>
           </a:p>
@@ -388,7 +382,6 @@
           <a:p>
             <a:fld id="{3365369E-9D09-42D9-816A-399922C8D842}" type="slidenum">
               <a:rPr lang="zh-CN" altLang="en-US" smtClean="0"/>
-              <a:t>‹#›</a:t>
             </a:fld>
             <a:endParaRPr lang="zh-CN" altLang="en-US"/>
           </a:p>
@@ -500,6 +493,7 @@
               <a:rPr lang="zh-CN" altLang="en-US" smtClean="0"/>
               <a:t>编辑母版文本样式</a:t>
             </a:r>
+            <a:endParaRPr lang="zh-CN" altLang="en-US" smtClean="0"/>
           </a:p>
           <a:p>
             <a:pPr lvl="1"/>
@@ -507,6 +501,7 @@
               <a:rPr lang="zh-CN" altLang="en-US" smtClean="0"/>
               <a:t>第二级</a:t>
             </a:r>
+            <a:endParaRPr lang="zh-CN" altLang="en-US" smtClean="0"/>
           </a:p>
           <a:p>
             <a:pPr lvl="2"/>
@@ -514,6 +509,7 @@
               <a:rPr lang="zh-CN" altLang="en-US" smtClean="0"/>
               <a:t>第三级</a:t>
             </a:r>
+            <a:endParaRPr lang="zh-CN" altLang="en-US" smtClean="0"/>
           </a:p>
           <a:p>
             <a:pPr lvl="3"/>
@@ -521,6 +517,7 @@
               <a:rPr lang="zh-CN" altLang="en-US" smtClean="0"/>
               <a:t>第四级</a:t>
             </a:r>
+            <a:endParaRPr lang="zh-CN" altLang="en-US" smtClean="0"/>
           </a:p>
           <a:p>
             <a:pPr lvl="4"/>
@@ -549,7 +546,6 @@
           <a:p>
             <a:fld id="{54276B0A-3273-40F0-AF33-3297F075264A}" type="datetimeFigureOut">
               <a:rPr lang="zh-CN" altLang="en-US" smtClean="0"/>
-              <a:t>2017/5/8</a:t>
             </a:fld>
             <a:endParaRPr lang="zh-CN" altLang="en-US"/>
           </a:p>
@@ -591,7 +587,6 @@
           <a:p>
             <a:fld id="{3365369E-9D09-42D9-816A-399922C8D842}" type="slidenum">
               <a:rPr lang="zh-CN" altLang="en-US" smtClean="0"/>
-              <a:t>‹#›</a:t>
             </a:fld>
             <a:endParaRPr lang="zh-CN" altLang="en-US"/>
           </a:p>
@@ -606,7 +601,7 @@
 </file>
 
 <file path=ppt/slideLayouts/slideLayout11.xml><?xml version="1.0" encoding="utf-8"?>
-<p:sldLayout xmlns:a="http://schemas.openxmlformats.org/drawingml/2006/main" xmlns:r="http://schemas.openxmlformats.org/officeDocument/2006/relationships" xmlns:p="http://schemas.openxmlformats.org/presentationml/2006/main" showMasterSp="0" type="vertTitleAndTx" preserve="1">
+<p:sldLayout xmlns:a="http://schemas.openxmlformats.org/drawingml/2006/main" xmlns:r="http://schemas.openxmlformats.org/officeDocument/2006/relationships" xmlns:p="http://schemas.openxmlformats.org/presentationml/2006/main" type="vertTitleAndTx" preserve="1" showMasterSp="0">
   <p:cSld name="竖排标题与文本">
     <p:spTree>
       <p:nvGrpSpPr>
@@ -751,6 +746,7 @@
               <a:rPr lang="zh-CN" altLang="en-US" smtClean="0"/>
               <a:t>编辑母版文本样式</a:t>
             </a:r>
+            <a:endParaRPr lang="zh-CN" altLang="en-US" smtClean="0"/>
           </a:p>
           <a:p>
             <a:pPr lvl="1"/>
@@ -758,6 +754,7 @@
               <a:rPr lang="zh-CN" altLang="en-US" smtClean="0"/>
               <a:t>第二级</a:t>
             </a:r>
+            <a:endParaRPr lang="zh-CN" altLang="en-US" smtClean="0"/>
           </a:p>
           <a:p>
             <a:pPr lvl="2"/>
@@ -765,6 +762,7 @@
               <a:rPr lang="zh-CN" altLang="en-US" smtClean="0"/>
               <a:t>第三级</a:t>
             </a:r>
+            <a:endParaRPr lang="zh-CN" altLang="en-US" smtClean="0"/>
           </a:p>
           <a:p>
             <a:pPr lvl="3"/>
@@ -772,6 +770,7 @@
               <a:rPr lang="zh-CN" altLang="en-US" smtClean="0"/>
               <a:t>第四级</a:t>
             </a:r>
+            <a:endParaRPr lang="zh-CN" altLang="en-US" smtClean="0"/>
           </a:p>
           <a:p>
             <a:pPr lvl="4"/>
@@ -800,7 +799,6 @@
           <a:p>
             <a:fld id="{54276B0A-3273-40F0-AF33-3297F075264A}" type="datetimeFigureOut">
               <a:rPr lang="zh-CN" altLang="en-US" smtClean="0"/>
-              <a:t>2017/5/8</a:t>
             </a:fld>
             <a:endParaRPr lang="zh-CN" altLang="en-US"/>
           </a:p>
@@ -842,7 +840,6 @@
           <a:p>
             <a:fld id="{3365369E-9D09-42D9-816A-399922C8D842}" type="slidenum">
               <a:rPr lang="zh-CN" altLang="en-US" smtClean="0"/>
-              <a:t>‹#›</a:t>
             </a:fld>
             <a:endParaRPr lang="zh-CN" altLang="en-US"/>
           </a:p>
@@ -920,6 +917,7 @@
               <a:rPr lang="zh-CN" altLang="en-US" smtClean="0"/>
               <a:t>编辑母版文本样式</a:t>
             </a:r>
+            <a:endParaRPr lang="zh-CN" altLang="en-US" smtClean="0"/>
           </a:p>
           <a:p>
             <a:pPr lvl="1"/>
@@ -927,6 +925,7 @@
               <a:rPr lang="zh-CN" altLang="en-US" smtClean="0"/>
               <a:t>第二级</a:t>
             </a:r>
+            <a:endParaRPr lang="zh-CN" altLang="en-US" smtClean="0"/>
           </a:p>
           <a:p>
             <a:pPr lvl="2"/>
@@ -934,6 +933,7 @@
               <a:rPr lang="zh-CN" altLang="en-US" smtClean="0"/>
               <a:t>第三级</a:t>
             </a:r>
+            <a:endParaRPr lang="zh-CN" altLang="en-US" smtClean="0"/>
           </a:p>
           <a:p>
             <a:pPr lvl="3"/>
@@ -941,6 +941,7 @@
               <a:rPr lang="zh-CN" altLang="en-US" smtClean="0"/>
               <a:t>第四级</a:t>
             </a:r>
+            <a:endParaRPr lang="zh-CN" altLang="en-US" smtClean="0"/>
           </a:p>
           <a:p>
             <a:pPr lvl="4"/>
@@ -969,7 +970,6 @@
           <a:p>
             <a:fld id="{54276B0A-3273-40F0-AF33-3297F075264A}" type="datetimeFigureOut">
               <a:rPr lang="zh-CN" altLang="en-US" smtClean="0"/>
-              <a:t>2017/5/8</a:t>
             </a:fld>
             <a:endParaRPr lang="zh-CN" altLang="en-US"/>
           </a:p>
@@ -1011,7 +1011,6 @@
           <a:p>
             <a:fld id="{3365369E-9D09-42D9-816A-399922C8D842}" type="slidenum">
               <a:rPr lang="zh-CN" altLang="en-US" smtClean="0"/>
-              <a:t>‹#›</a:t>
             </a:fld>
             <a:endParaRPr lang="zh-CN" altLang="en-US"/>
           </a:p>
@@ -1026,7 +1025,7 @@
 </file>
 
 <file path=ppt/slideLayouts/slideLayout3.xml><?xml version="1.0" encoding="utf-8"?>
-<p:sldLayout xmlns:a="http://schemas.openxmlformats.org/drawingml/2006/main" xmlns:r="http://schemas.openxmlformats.org/officeDocument/2006/relationships" xmlns:p="http://schemas.openxmlformats.org/presentationml/2006/main" showMasterSp="0" type="secHead" preserve="1">
+<p:sldLayout xmlns:a="http://schemas.openxmlformats.org/drawingml/2006/main" xmlns:r="http://schemas.openxmlformats.org/officeDocument/2006/relationships" xmlns:p="http://schemas.openxmlformats.org/presentationml/2006/main" type="secHead" preserve="1" showMasterSp="0">
   <p:cSld name="节标题">
     <p:bg>
       <p:bgPr>
@@ -1287,6 +1286,7 @@
               <a:rPr lang="zh-CN" altLang="en-US" smtClean="0"/>
               <a:t>编辑母版文本样式</a:t>
             </a:r>
+            <a:endParaRPr lang="zh-CN" altLang="en-US" smtClean="0"/>
           </a:p>
         </p:txBody>
       </p:sp>
@@ -1307,7 +1307,6 @@
           <a:p>
             <a:fld id="{54276B0A-3273-40F0-AF33-3297F075264A}" type="datetimeFigureOut">
               <a:rPr lang="zh-CN" altLang="en-US" smtClean="0"/>
-              <a:t>2017/5/8</a:t>
             </a:fld>
             <a:endParaRPr lang="zh-CN" altLang="en-US"/>
           </a:p>
@@ -1349,7 +1348,6 @@
           <a:p>
             <a:fld id="{3365369E-9D09-42D9-816A-399922C8D842}" type="slidenum">
               <a:rPr lang="zh-CN" altLang="en-US" smtClean="0"/>
-              <a:t>‹#›</a:t>
             </a:fld>
             <a:endParaRPr lang="zh-CN" altLang="en-US"/>
           </a:p>
@@ -1471,6 +1469,7 @@
               <a:rPr lang="zh-CN" altLang="en-US" smtClean="0"/>
               <a:t>编辑母版文本样式</a:t>
             </a:r>
+            <a:endParaRPr lang="zh-CN" altLang="en-US" smtClean="0"/>
           </a:p>
           <a:p>
             <a:pPr lvl="1"/>
@@ -1478,6 +1477,7 @@
               <a:rPr lang="zh-CN" altLang="en-US" smtClean="0"/>
               <a:t>第二级</a:t>
             </a:r>
+            <a:endParaRPr lang="zh-CN" altLang="en-US" smtClean="0"/>
           </a:p>
           <a:p>
             <a:pPr lvl="2"/>
@@ -1485,6 +1485,7 @@
               <a:rPr lang="zh-CN" altLang="en-US" smtClean="0"/>
               <a:t>第三级</a:t>
             </a:r>
+            <a:endParaRPr lang="zh-CN" altLang="en-US" smtClean="0"/>
           </a:p>
           <a:p>
             <a:pPr lvl="3"/>
@@ -1492,6 +1493,7 @@
               <a:rPr lang="zh-CN" altLang="en-US" smtClean="0"/>
               <a:t>第四级</a:t>
             </a:r>
+            <a:endParaRPr lang="zh-CN" altLang="en-US" smtClean="0"/>
           </a:p>
           <a:p>
             <a:pPr lvl="4"/>
@@ -1528,6 +1530,7 @@
               <a:rPr lang="zh-CN" altLang="en-US" smtClean="0"/>
               <a:t>编辑母版文本样式</a:t>
             </a:r>
+            <a:endParaRPr lang="zh-CN" altLang="en-US" smtClean="0"/>
           </a:p>
           <a:p>
             <a:pPr lvl="1"/>
@@ -1535,6 +1538,7 @@
               <a:rPr lang="zh-CN" altLang="en-US" smtClean="0"/>
               <a:t>第二级</a:t>
             </a:r>
+            <a:endParaRPr lang="zh-CN" altLang="en-US" smtClean="0"/>
           </a:p>
           <a:p>
             <a:pPr lvl="2"/>
@@ -1542,6 +1546,7 @@
               <a:rPr lang="zh-CN" altLang="en-US" smtClean="0"/>
               <a:t>第三级</a:t>
             </a:r>
+            <a:endParaRPr lang="zh-CN" altLang="en-US" smtClean="0"/>
           </a:p>
           <a:p>
             <a:pPr lvl="3"/>
@@ -1549,6 +1554,7 @@
               <a:rPr lang="zh-CN" altLang="en-US" smtClean="0"/>
               <a:t>第四级</a:t>
             </a:r>
+            <a:endParaRPr lang="zh-CN" altLang="en-US" smtClean="0"/>
           </a:p>
           <a:p>
             <a:pPr lvl="4"/>
@@ -1577,7 +1583,6 @@
           <a:p>
             <a:fld id="{54276B0A-3273-40F0-AF33-3297F075264A}" type="datetimeFigureOut">
               <a:rPr lang="zh-CN" altLang="en-US" smtClean="0"/>
-              <a:t>2017/5/8</a:t>
             </a:fld>
             <a:endParaRPr lang="zh-CN" altLang="en-US"/>
           </a:p>
@@ -1619,7 +1624,6 @@
           <a:p>
             <a:fld id="{3365369E-9D09-42D9-816A-399922C8D842}" type="slidenum">
               <a:rPr lang="zh-CN" altLang="en-US" smtClean="0"/>
-              <a:t>‹#›</a:t>
             </a:fld>
             <a:endParaRPr lang="zh-CN" altLang="en-US"/>
           </a:p>
@@ -1746,6 +1750,7 @@
               <a:rPr lang="zh-CN" altLang="en-US" smtClean="0"/>
               <a:t>编辑母版文本样式</a:t>
             </a:r>
+            <a:endParaRPr lang="zh-CN" altLang="en-US" smtClean="0"/>
           </a:p>
         </p:txBody>
       </p:sp>
@@ -1774,6 +1779,7 @@
               <a:rPr lang="zh-CN" altLang="en-US" smtClean="0"/>
               <a:t>编辑母版文本样式</a:t>
             </a:r>
+            <a:endParaRPr lang="zh-CN" altLang="en-US" smtClean="0"/>
           </a:p>
           <a:p>
             <a:pPr lvl="1"/>
@@ -1781,6 +1787,7 @@
               <a:rPr lang="zh-CN" altLang="en-US" smtClean="0"/>
               <a:t>第二级</a:t>
             </a:r>
+            <a:endParaRPr lang="zh-CN" altLang="en-US" smtClean="0"/>
           </a:p>
           <a:p>
             <a:pPr lvl="2"/>
@@ -1788,6 +1795,7 @@
               <a:rPr lang="zh-CN" altLang="en-US" smtClean="0"/>
               <a:t>第三级</a:t>
             </a:r>
+            <a:endParaRPr lang="zh-CN" altLang="en-US" smtClean="0"/>
           </a:p>
           <a:p>
             <a:pPr lvl="3"/>
@@ -1795,6 +1803,7 @@
               <a:rPr lang="zh-CN" altLang="en-US" smtClean="0"/>
               <a:t>第四级</a:t>
             </a:r>
+            <a:endParaRPr lang="zh-CN" altLang="en-US" smtClean="0"/>
           </a:p>
           <a:p>
             <a:pPr lvl="4"/>
@@ -1874,6 +1883,7 @@
               <a:rPr lang="zh-CN" altLang="en-US" smtClean="0"/>
               <a:t>编辑母版文本样式</a:t>
             </a:r>
+            <a:endParaRPr lang="zh-CN" altLang="en-US" smtClean="0"/>
           </a:p>
         </p:txBody>
       </p:sp>
@@ -1902,6 +1912,7 @@
               <a:rPr lang="zh-CN" altLang="en-US" smtClean="0"/>
               <a:t>编辑母版文本样式</a:t>
             </a:r>
+            <a:endParaRPr lang="zh-CN" altLang="en-US" smtClean="0"/>
           </a:p>
           <a:p>
             <a:pPr lvl="1"/>
@@ -1909,6 +1920,7 @@
               <a:rPr lang="zh-CN" altLang="en-US" smtClean="0"/>
               <a:t>第二级</a:t>
             </a:r>
+            <a:endParaRPr lang="zh-CN" altLang="en-US" smtClean="0"/>
           </a:p>
           <a:p>
             <a:pPr lvl="2"/>
@@ -1916,6 +1928,7 @@
               <a:rPr lang="zh-CN" altLang="en-US" smtClean="0"/>
               <a:t>第三级</a:t>
             </a:r>
+            <a:endParaRPr lang="zh-CN" altLang="en-US" smtClean="0"/>
           </a:p>
           <a:p>
             <a:pPr lvl="3"/>
@@ -1923,6 +1936,7 @@
               <a:rPr lang="zh-CN" altLang="en-US" smtClean="0"/>
               <a:t>第四级</a:t>
             </a:r>
+            <a:endParaRPr lang="zh-CN" altLang="en-US" smtClean="0"/>
           </a:p>
           <a:p>
             <a:pPr lvl="4"/>
@@ -1951,7 +1965,6 @@
           <a:p>
             <a:fld id="{54276B0A-3273-40F0-AF33-3297F075264A}" type="datetimeFigureOut">
               <a:rPr lang="zh-CN" altLang="en-US" smtClean="0"/>
-              <a:t>2017/5/8</a:t>
             </a:fld>
             <a:endParaRPr lang="zh-CN" altLang="en-US"/>
           </a:p>
@@ -1993,7 +2006,6 @@
           <a:p>
             <a:fld id="{3365369E-9D09-42D9-816A-399922C8D842}" type="slidenum">
               <a:rPr lang="zh-CN" altLang="en-US" smtClean="0"/>
-              <a:t>‹#›</a:t>
             </a:fld>
             <a:endParaRPr lang="zh-CN" altLang="en-US"/>
           </a:p>
@@ -2064,7 +2076,6 @@
           <a:p>
             <a:fld id="{54276B0A-3273-40F0-AF33-3297F075264A}" type="datetimeFigureOut">
               <a:rPr lang="zh-CN" altLang="en-US" smtClean="0"/>
-              <a:t>2017/5/8</a:t>
             </a:fld>
             <a:endParaRPr lang="zh-CN" altLang="en-US"/>
           </a:p>
@@ -2106,7 +2117,6 @@
           <a:p>
             <a:fld id="{3365369E-9D09-42D9-816A-399922C8D842}" type="slidenum">
               <a:rPr lang="zh-CN" altLang="en-US" smtClean="0"/>
-              <a:t>‹#›</a:t>
             </a:fld>
             <a:endParaRPr lang="zh-CN" altLang="en-US"/>
           </a:p>
@@ -2121,7 +2131,7 @@
 </file>
 
 <file path=ppt/slideLayouts/slideLayout7.xml><?xml version="1.0" encoding="utf-8"?>
-<p:sldLayout xmlns:a="http://schemas.openxmlformats.org/drawingml/2006/main" xmlns:r="http://schemas.openxmlformats.org/officeDocument/2006/relationships" xmlns:p="http://schemas.openxmlformats.org/presentationml/2006/main" showMasterSp="0" type="blank" preserve="1">
+<p:sldLayout xmlns:a="http://schemas.openxmlformats.org/drawingml/2006/main" xmlns:r="http://schemas.openxmlformats.org/officeDocument/2006/relationships" xmlns:p="http://schemas.openxmlformats.org/presentationml/2006/main" type="blank" preserve="1" showMasterSp="0">
   <p:cSld name="空白">
     <p:spTree>
       <p:nvGrpSpPr>
@@ -2230,7 +2240,6 @@
           <a:p>
             <a:fld id="{54276B0A-3273-40F0-AF33-3297F075264A}" type="datetimeFigureOut">
               <a:rPr lang="zh-CN" altLang="en-US" smtClean="0"/>
-              <a:t>2017/5/8</a:t>
             </a:fld>
             <a:endParaRPr lang="zh-CN" altLang="en-US"/>
           </a:p>
@@ -2280,7 +2289,6 @@
           <a:p>
             <a:fld id="{3365369E-9D09-42D9-816A-399922C8D842}" type="slidenum">
               <a:rPr lang="zh-CN" altLang="en-US" smtClean="0"/>
-              <a:t>‹#›</a:t>
             </a:fld>
             <a:endParaRPr lang="zh-CN" altLang="en-US"/>
           </a:p>
@@ -2295,7 +2303,7 @@
 </file>
 
 <file path=ppt/slideLayouts/slideLayout8.xml><?xml version="1.0" encoding="utf-8"?>
-<p:sldLayout xmlns:a="http://schemas.openxmlformats.org/drawingml/2006/main" xmlns:r="http://schemas.openxmlformats.org/officeDocument/2006/relationships" xmlns:p="http://schemas.openxmlformats.org/presentationml/2006/main" showMasterSp="0" type="objTx" preserve="1">
+<p:sldLayout xmlns:a="http://schemas.openxmlformats.org/drawingml/2006/main" xmlns:r="http://schemas.openxmlformats.org/officeDocument/2006/relationships" xmlns:p="http://schemas.openxmlformats.org/presentationml/2006/main" type="objTx" preserve="1" showMasterSp="0">
   <p:cSld name="内容与标题">
     <p:spTree>
       <p:nvGrpSpPr>
@@ -2450,6 +2458,7 @@
               <a:rPr lang="zh-CN" altLang="en-US" smtClean="0"/>
               <a:t>编辑母版文本样式</a:t>
             </a:r>
+            <a:endParaRPr lang="zh-CN" altLang="en-US" smtClean="0"/>
           </a:p>
           <a:p>
             <a:pPr lvl="1"/>
@@ -2457,6 +2466,7 @@
               <a:rPr lang="zh-CN" altLang="en-US" smtClean="0"/>
               <a:t>第二级</a:t>
             </a:r>
+            <a:endParaRPr lang="zh-CN" altLang="en-US" smtClean="0"/>
           </a:p>
           <a:p>
             <a:pPr lvl="2"/>
@@ -2464,6 +2474,7 @@
               <a:rPr lang="zh-CN" altLang="en-US" smtClean="0"/>
               <a:t>第三级</a:t>
             </a:r>
+            <a:endParaRPr lang="zh-CN" altLang="en-US" smtClean="0"/>
           </a:p>
           <a:p>
             <a:pPr lvl="3"/>
@@ -2471,6 +2482,7 @@
               <a:rPr lang="zh-CN" altLang="en-US" smtClean="0"/>
               <a:t>第四级</a:t>
             </a:r>
+            <a:endParaRPr lang="zh-CN" altLang="en-US" smtClean="0"/>
           </a:p>
           <a:p>
             <a:pPr lvl="4"/>
@@ -2550,6 +2562,7 @@
               <a:rPr lang="zh-CN" altLang="en-US" smtClean="0"/>
               <a:t>编辑母版文本样式</a:t>
             </a:r>
+            <a:endParaRPr lang="zh-CN" altLang="en-US" smtClean="0"/>
           </a:p>
         </p:txBody>
       </p:sp>
@@ -2579,7 +2592,6 @@
           <a:p>
             <a:fld id="{54276B0A-3273-40F0-AF33-3297F075264A}" type="datetimeFigureOut">
               <a:rPr lang="zh-CN" altLang="en-US" smtClean="0"/>
-              <a:t>2017/5/8</a:t>
             </a:fld>
             <a:endParaRPr lang="zh-CN" altLang="en-US"/>
           </a:p>
@@ -2642,7 +2654,6 @@
           <a:p>
             <a:fld id="{3365369E-9D09-42D9-816A-399922C8D842}" type="slidenum">
               <a:rPr lang="zh-CN" altLang="en-US" smtClean="0"/>
-              <a:t>‹#›</a:t>
             </a:fld>
             <a:endParaRPr lang="zh-CN" altLang="en-US"/>
           </a:p>
@@ -2657,7 +2668,7 @@
 </file>
 
 <file path=ppt/slideLayouts/slideLayout9.xml><?xml version="1.0" encoding="utf-8"?>
-<p:sldLayout xmlns:a="http://schemas.openxmlformats.org/drawingml/2006/main" xmlns:r="http://schemas.openxmlformats.org/officeDocument/2006/relationships" xmlns:p="http://schemas.openxmlformats.org/presentationml/2006/main" showMasterSp="0" type="picTx" preserve="1">
+<p:sldLayout xmlns:a="http://schemas.openxmlformats.org/drawingml/2006/main" xmlns:r="http://schemas.openxmlformats.org/officeDocument/2006/relationships" xmlns:p="http://schemas.openxmlformats.org/presentationml/2006/main" type="picTx" preserve="1" showMasterSp="0">
   <p:cSld name="图片与标题">
     <p:spTree>
       <p:nvGrpSpPr>
@@ -2936,6 +2947,7 @@
               <a:rPr lang="zh-CN" altLang="en-US" smtClean="0"/>
               <a:t>编辑母版文本样式</a:t>
             </a:r>
+            <a:endParaRPr lang="zh-CN" altLang="en-US" smtClean="0"/>
           </a:p>
         </p:txBody>
       </p:sp>
@@ -2956,7 +2968,6 @@
           <a:p>
             <a:fld id="{54276B0A-3273-40F0-AF33-3297F075264A}" type="datetimeFigureOut">
               <a:rPr lang="zh-CN" altLang="en-US" smtClean="0"/>
-              <a:t>2017/5/8</a:t>
             </a:fld>
             <a:endParaRPr lang="zh-CN" altLang="en-US"/>
           </a:p>
@@ -2998,7 +3009,6 @@
           <a:p>
             <a:fld id="{3365369E-9D09-42D9-816A-399922C8D842}" type="slidenum">
               <a:rPr lang="zh-CN" altLang="en-US" smtClean="0"/>
-              <a:t>‹#›</a:t>
             </a:fld>
             <a:endParaRPr lang="zh-CN" altLang="en-US"/>
           </a:p>
@@ -3173,6 +3183,7 @@
               <a:rPr lang="zh-CN" altLang="en-US" smtClean="0"/>
               <a:t>编辑母版文本样式</a:t>
             </a:r>
+            <a:endParaRPr lang="zh-CN" altLang="en-US" smtClean="0"/>
           </a:p>
           <a:p>
             <a:pPr lvl="1"/>
@@ -3180,6 +3191,7 @@
               <a:rPr lang="zh-CN" altLang="en-US" smtClean="0"/>
               <a:t>第二级</a:t>
             </a:r>
+            <a:endParaRPr lang="zh-CN" altLang="en-US" smtClean="0"/>
           </a:p>
           <a:p>
             <a:pPr lvl="2"/>
@@ -3187,6 +3199,7 @@
               <a:rPr lang="zh-CN" altLang="en-US" smtClean="0"/>
               <a:t>第三级</a:t>
             </a:r>
+            <a:endParaRPr lang="zh-CN" altLang="en-US" smtClean="0"/>
           </a:p>
           <a:p>
             <a:pPr lvl="3"/>
@@ -3194,6 +3207,7 @@
               <a:rPr lang="zh-CN" altLang="en-US" smtClean="0"/>
               <a:t>第四级</a:t>
             </a:r>
+            <a:endParaRPr lang="zh-CN" altLang="en-US" smtClean="0"/>
           </a:p>
           <a:p>
             <a:pPr lvl="4"/>
@@ -3238,7 +3252,6 @@
           <a:p>
             <a:fld id="{54276B0A-3273-40F0-AF33-3297F075264A}" type="datetimeFigureOut">
               <a:rPr lang="zh-CN" altLang="en-US" smtClean="0"/>
-              <a:t>2017/5/8</a:t>
             </a:fld>
             <a:endParaRPr lang="zh-CN" altLang="en-US"/>
           </a:p>
@@ -3312,7 +3325,6 @@
           <a:p>
             <a:fld id="{3365369E-9D09-42D9-816A-399922C8D842}" type="slidenum">
               <a:rPr lang="zh-CN" altLang="en-US" smtClean="0"/>
-              <a:t>‹#›</a:t>
             </a:fld>
             <a:endParaRPr lang="zh-CN" altLang="en-US"/>
           </a:p>
@@ -3817,9 +3829,37 @@
               </a:rPr>
               <a:t>yaohan125@gmail.com</a:t>
             </a:r>
-          </a:p>
-        </p:txBody>
-      </p:sp>
+            <a:endParaRPr lang="en-US" altLang="zh-CN" cap="none" dirty="0" smtClean="0">
+              <a:latin typeface="微软雅黑" panose="020B0503020204020204" pitchFamily="34" charset="-122"/>
+              <a:ea typeface="微软雅黑" panose="020B0503020204020204" pitchFamily="34" charset="-122"/>
+            </a:endParaRPr>
+          </a:p>
+        </p:txBody>
+      </p:sp>
+      <p:pic>
+        <p:nvPicPr>
+          <p:cNvPr id="4" name="图片 3"/>
+          <p:cNvPicPr>
+            <a:picLocks noChangeAspect="1"/>
+          </p:cNvPicPr>
+          <p:nvPr/>
+        </p:nvPicPr>
+        <p:blipFill>
+          <a:blip r:embed="rId1"/>
+          <a:stretch>
+            <a:fillRect/>
+          </a:stretch>
+        </p:blipFill>
+        <p:spPr>
+          <a:xfrm>
+            <a:off x="9992995" y="151130"/>
+            <a:ext cx="2026285" cy="617220"/>
+          </a:xfrm>
+          <a:prstGeom prst="rect">
+            <a:avLst/>
+          </a:prstGeom>
+        </p:spPr>
+      </p:pic>
     </p:spTree>
   </p:cSld>
   <p:clrMapOvr>
@@ -3923,12 +3963,36 @@
             </a:r>
             <a:r>
               <a:rPr lang="zh-CN" altLang="en-US" dirty="0" smtClean="0"/>
-              <a:t>熟悉数据分析算法</a:t>
+              <a:t>设计大数据分析平台</a:t>
             </a:r>
             <a:endParaRPr lang="en-US" altLang="zh-CN" dirty="0" smtClean="0"/>
           </a:p>
         </p:txBody>
       </p:sp>
+      <p:pic>
+        <p:nvPicPr>
+          <p:cNvPr id="4" name="图片 3"/>
+          <p:cNvPicPr>
+            <a:picLocks noChangeAspect="1"/>
+          </p:cNvPicPr>
+          <p:nvPr/>
+        </p:nvPicPr>
+        <p:blipFill>
+          <a:blip r:embed="rId1"/>
+          <a:stretch>
+            <a:fillRect/>
+          </a:stretch>
+        </p:blipFill>
+        <p:spPr>
+          <a:xfrm>
+            <a:off x="9992995" y="140970"/>
+            <a:ext cx="2026285" cy="617220"/>
+          </a:xfrm>
+          <a:prstGeom prst="rect">
+            <a:avLst/>
+          </a:prstGeom>
+        </p:spPr>
+      </p:pic>
     </p:spTree>
   </p:cSld>
   <p:clrMapOvr>
@@ -3971,7 +4035,12 @@
             <p:ph type="title"/>
           </p:nvPr>
         </p:nvSpPr>
-        <p:spPr/>
+        <p:spPr>
+          <a:xfrm>
+            <a:off x="1097280" y="296763"/>
+            <a:ext cx="10058400" cy="1450757"/>
+          </a:xfrm>
+        </p:spPr>
         <p:txBody>
           <a:bodyPr/>
           <a:lstStyle/>
@@ -3999,6 +4068,10 @@
           <a:bodyPr/>
           <a:lstStyle/>
           <a:p>
+            <a:r>
+              <a:rPr lang="zh-CN" altLang="en-US" dirty="0"/>
+              <a:t>运行成功</a:t>
+            </a:r>
             <a:endParaRPr lang="zh-CN" altLang="en-US" dirty="0"/>
           </a:p>
         </p:txBody>
@@ -4006,6 +4079,30 @@
       <p:pic>
         <p:nvPicPr>
           <p:cNvPr id="4" name="图片 3"/>
+          <p:cNvPicPr>
+            <a:picLocks noChangeAspect="1"/>
+          </p:cNvPicPr>
+          <p:nvPr/>
+        </p:nvPicPr>
+        <p:blipFill>
+          <a:blip r:embed="rId1"/>
+          <a:stretch>
+            <a:fillRect/>
+          </a:stretch>
+        </p:blipFill>
+        <p:spPr>
+          <a:xfrm>
+            <a:off x="1097280" y="2628416"/>
+            <a:ext cx="6961905" cy="1133333"/>
+          </a:xfrm>
+          <a:prstGeom prst="rect">
+            <a:avLst/>
+          </a:prstGeom>
+        </p:spPr>
+      </p:pic>
+      <p:pic>
+        <p:nvPicPr>
+          <p:cNvPr id="5" name="图片 4"/>
           <p:cNvPicPr>
             <a:picLocks noChangeAspect="1"/>
           </p:cNvPicPr>
@@ -4019,8 +4116,8 @@
         </p:blipFill>
         <p:spPr>
           <a:xfrm>
-            <a:off x="1097280" y="2628416"/>
-            <a:ext cx="6961905" cy="1133333"/>
+            <a:off x="9992995" y="140970"/>
+            <a:ext cx="2026285" cy="617220"/>
           </a:xfrm>
           <a:prstGeom prst="rect">
             <a:avLst/>
@@ -4028,11 +4125,6 @@
         </p:spPr>
       </p:pic>
     </p:spTree>
-    <p:extLst>
-      <p:ext uri="{BB962C8B-B14F-4D97-AF65-F5344CB8AC3E}">
-        <p14:creationId xmlns:p14="http://schemas.microsoft.com/office/powerpoint/2010/main" val="4231030796"/>
-      </p:ext>
-    </p:extLst>
   </p:cSld>
   <p:clrMapOvr>
     <a:masterClrMapping/>
@@ -4057,6 +4149,30 @@
           <a:chExt cx="0" cy="0"/>
         </a:xfrm>
       </p:grpSpPr>
+      <p:pic>
+        <p:nvPicPr>
+          <p:cNvPr id="3" name="图片 2"/>
+          <p:cNvPicPr>
+            <a:picLocks noChangeAspect="1"/>
+          </p:cNvPicPr>
+          <p:nvPr/>
+        </p:nvPicPr>
+        <p:blipFill>
+          <a:blip r:embed="rId1"/>
+          <a:stretch>
+            <a:fillRect/>
+          </a:stretch>
+        </p:blipFill>
+        <p:spPr>
+          <a:xfrm>
+            <a:off x="9992995" y="140970"/>
+            <a:ext cx="2026285" cy="617220"/>
+          </a:xfrm>
+          <a:prstGeom prst="rect">
+            <a:avLst/>
+          </a:prstGeom>
+        </p:spPr>
+      </p:pic>
       <p:sp>
         <p:nvSpPr>
           <p:cNvPr id="2" name="标题 1"/>
@@ -4127,6 +4243,7 @@
               <a:rPr lang="zh-CN" altLang="en-US" dirty="0"/>
               <a:t>TClassItem</a:t>
             </a:r>
+            <a:endParaRPr lang="zh-CN" altLang="en-US" dirty="0"/>
           </a:p>
         </p:txBody>
       </p:sp>
@@ -4155,6 +4272,7 @@
               <a:rPr lang="zh-CN" altLang="en-US" dirty="0"/>
               <a:t>TransactionManagerItem</a:t>
             </a:r>
+            <a:endParaRPr lang="zh-CN" altLang="en-US" dirty="0"/>
           </a:p>
         </p:txBody>
       </p:sp>
@@ -4183,6 +4301,7 @@
               <a:rPr lang="zh-CN" altLang="en-US" dirty="0"/>
               <a:t>TransactionManagerReport</a:t>
             </a:r>
+            <a:endParaRPr lang="zh-CN" altLang="en-US" dirty="0"/>
           </a:p>
         </p:txBody>
       </p:sp>
@@ -4211,6 +4330,7 @@
               <a:rPr lang="zh-CN" altLang="en-US" dirty="0"/>
               <a:t>DispatcherItem</a:t>
             </a:r>
+            <a:endParaRPr lang="zh-CN" altLang="en-US" dirty="0"/>
           </a:p>
         </p:txBody>
       </p:sp>
@@ -4239,6 +4359,7 @@
               <a:rPr lang="zh-CN" altLang="en-US" dirty="0"/>
               <a:t>DispatcherReport</a:t>
             </a:r>
+            <a:endParaRPr lang="zh-CN" altLang="en-US" dirty="0"/>
           </a:p>
         </p:txBody>
       </p:sp>
@@ -4267,6 +4388,7 @@
               <a:rPr lang="zh-CN" altLang="en-US" dirty="0"/>
               <a:t>EnqueueItem</a:t>
             </a:r>
+            <a:endParaRPr lang="zh-CN" altLang="en-US" dirty="0"/>
           </a:p>
         </p:txBody>
       </p:sp>
@@ -4295,6 +4417,7 @@
               <a:rPr lang="zh-CN" altLang="en-US" dirty="0"/>
               <a:t>EnqueueReport</a:t>
             </a:r>
+            <a:endParaRPr lang="zh-CN" altLang="en-US" dirty="0"/>
           </a:p>
         </p:txBody>
       </p:sp>
@@ -4323,6 +4446,7 @@
               <a:rPr lang="zh-CN" altLang="en-US" dirty="0"/>
               <a:t>StorageManagerItem</a:t>
             </a:r>
+            <a:endParaRPr lang="zh-CN" altLang="en-US" dirty="0"/>
           </a:p>
         </p:txBody>
       </p:sp>
@@ -4351,6 +4475,7 @@
               <a:rPr lang="zh-CN" altLang="en-US" dirty="0"/>
               <a:t>StorageManagerReport</a:t>
             </a:r>
+            <a:endParaRPr lang="zh-CN" altLang="en-US" dirty="0"/>
           </a:p>
         </p:txBody>
       </p:sp>
@@ -4379,6 +4504,7 @@
               <a:rPr lang="zh-CN" altLang="en-US" dirty="0"/>
               <a:t>LogManagerItem</a:t>
             </a:r>
+            <a:endParaRPr lang="zh-CN" altLang="en-US" dirty="0"/>
           </a:p>
         </p:txBody>
       </p:sp>
@@ -4407,6 +4533,7 @@
               <a:rPr lang="zh-CN" altLang="en-US" dirty="0"/>
               <a:t>LogManagerReport</a:t>
             </a:r>
+            <a:endParaRPr lang="zh-CN" altLang="en-US" dirty="0"/>
           </a:p>
         </p:txBody>
       </p:sp>
@@ -4435,6 +4562,7 @@
               <a:rPr lang="zh-CN" altLang="en-US" dirty="0"/>
               <a:t>DB2ENTRYItem</a:t>
             </a:r>
+            <a:endParaRPr lang="zh-CN" altLang="en-US" dirty="0"/>
           </a:p>
         </p:txBody>
       </p:sp>
@@ -4463,6 +4591,7 @@
               <a:rPr lang="zh-CN" altLang="en-US" dirty="0"/>
               <a:t>DB2CONNItem</a:t>
             </a:r>
+            <a:endParaRPr lang="zh-CN" altLang="en-US" dirty="0"/>
           </a:p>
         </p:txBody>
       </p:sp>
@@ -4491,6 +4620,7 @@
               <a:rPr lang="zh-CN" altLang="en-US" dirty="0"/>
               <a:t>DB2Report</a:t>
             </a:r>
+            <a:endParaRPr lang="zh-CN" altLang="en-US" dirty="0"/>
           </a:p>
         </p:txBody>
       </p:sp>
@@ -4519,6 +4649,7 @@
               <a:rPr lang="zh-CN" altLang="en-US" dirty="0"/>
               <a:t>DumpItem</a:t>
             </a:r>
+            <a:endParaRPr lang="zh-CN" altLang="en-US" dirty="0"/>
           </a:p>
         </p:txBody>
       </p:sp>
@@ -4547,6 +4678,7 @@
               <a:rPr lang="zh-CN" altLang="en-US" dirty="0"/>
               <a:t>DumpReport</a:t>
             </a:r>
+            <a:endParaRPr lang="zh-CN" altLang="en-US" dirty="0"/>
           </a:p>
         </p:txBody>
       </p:sp>
@@ -4575,6 +4707,7 @@
               <a:rPr lang="zh-CN" altLang="en-US" dirty="0"/>
               <a:t>TSQItem</a:t>
             </a:r>
+            <a:endParaRPr lang="zh-CN" altLang="en-US" dirty="0"/>
           </a:p>
         </p:txBody>
       </p:sp>
@@ -4603,6 +4736,7 @@
               <a:rPr lang="zh-CN" altLang="en-US" dirty="0"/>
               <a:t>TSQReport</a:t>
             </a:r>
+            <a:endParaRPr lang="zh-CN" altLang="en-US" dirty="0"/>
           </a:p>
         </p:txBody>
       </p:sp>
@@ -4631,6 +4765,7 @@
               <a:rPr lang="zh-CN" altLang="en-US" dirty="0"/>
               <a:t>TDQItem</a:t>
             </a:r>
+            <a:endParaRPr lang="zh-CN" altLang="en-US" dirty="0"/>
           </a:p>
         </p:txBody>
       </p:sp>
@@ -4659,6 +4794,7 @@
               <a:rPr lang="zh-CN" altLang="en-US" dirty="0"/>
               <a:t>TDQReport</a:t>
             </a:r>
+            <a:endParaRPr lang="zh-CN" altLang="en-US" dirty="0"/>
           </a:p>
         </p:txBody>
       </p:sp>
@@ -4687,6 +4823,7 @@
               <a:rPr lang="zh-CN" altLang="en-US" dirty="0"/>
               <a:t>ConnectionItem</a:t>
             </a:r>
+            <a:endParaRPr lang="zh-CN" altLang="en-US" dirty="0"/>
           </a:p>
         </p:txBody>
       </p:sp>
@@ -4715,6 +4852,7 @@
               <a:rPr lang="zh-CN" altLang="en-US" dirty="0"/>
               <a:t>ConnectionReport</a:t>
             </a:r>
+            <a:endParaRPr lang="zh-CN" altLang="en-US" dirty="0"/>
           </a:p>
         </p:txBody>
       </p:sp>
@@ -4743,6 +4881,7 @@
               <a:rPr lang="zh-CN" altLang="en-US" dirty="0"/>
               <a:t>IntervalItem</a:t>
             </a:r>
+            <a:endParaRPr lang="zh-CN" altLang="en-US" dirty="0"/>
           </a:p>
         </p:txBody>
       </p:sp>
@@ -4771,6 +4910,7 @@
               <a:rPr lang="zh-CN" altLang="en-US" dirty="0"/>
               <a:t>IntervalItemListByInterval</a:t>
             </a:r>
+            <a:endParaRPr lang="zh-CN" altLang="en-US" dirty="0"/>
           </a:p>
         </p:txBody>
       </p:sp>
@@ -4799,15 +4939,11 @@
               <a:rPr lang="zh-CN" altLang="en-US" dirty="0"/>
               <a:t>IntervalReport</a:t>
             </a:r>
+            <a:endParaRPr lang="zh-CN" altLang="en-US" dirty="0"/>
           </a:p>
         </p:txBody>
       </p:sp>
     </p:spTree>
-    <p:extLst>
-      <p:ext uri="{BB962C8B-B14F-4D97-AF65-F5344CB8AC3E}">
-        <p14:creationId xmlns:p14="http://schemas.microsoft.com/office/powerpoint/2010/main" val="4049458439"/>
-      </p:ext>
-    </p:extLst>
   </p:cSld>
   <p:clrMapOvr>
     <a:masterClrMapping/>
@@ -4849,7 +4985,7 @@
           <a:p>
             <a:r>
               <a:rPr lang="zh-CN" altLang="en-US" dirty="0"/>
-              <a:t>数据分</a:t>
+              <a:t>大数据分</a:t>
             </a:r>
             <a:r>
               <a:rPr lang="zh-CN" altLang="en-US" dirty="0" smtClean="0"/>
@@ -4908,12 +5044,31 @@
           </a:p>
         </p:txBody>
       </p:sp>
+      <p:pic>
+        <p:nvPicPr>
+          <p:cNvPr id="4" name="图片 3"/>
+          <p:cNvPicPr>
+            <a:picLocks noChangeAspect="1"/>
+          </p:cNvPicPr>
+          <p:nvPr/>
+        </p:nvPicPr>
+        <p:blipFill>
+          <a:blip r:embed="rId1"/>
+          <a:stretch>
+            <a:fillRect/>
+          </a:stretch>
+        </p:blipFill>
+        <p:spPr>
+          <a:xfrm>
+            <a:off x="9992995" y="140970"/>
+            <a:ext cx="2026285" cy="617220"/>
+          </a:xfrm>
+          <a:prstGeom prst="rect">
+            <a:avLst/>
+          </a:prstGeom>
+        </p:spPr>
+      </p:pic>
     </p:spTree>
-    <p:extLst>
-      <p:ext uri="{BB962C8B-B14F-4D97-AF65-F5344CB8AC3E}">
-        <p14:creationId xmlns:p14="http://schemas.microsoft.com/office/powerpoint/2010/main" val="709696303"/>
-      </p:ext>
-    </p:extLst>
   </p:cSld>
   <p:clrMapOvr>
     <a:masterClrMapping/>
@@ -4990,6 +5145,7 @@
               <a:rPr lang="en-US" altLang="zh-CN" dirty="0" smtClean="0"/>
               <a:t>  </a:t>
             </a:r>
+            <a:endParaRPr lang="en-US" altLang="zh-CN" dirty="0" smtClean="0"/>
           </a:p>
           <a:p>
             <a:pPr marL="0" indent="0">
@@ -5049,12 +5205,31 @@
           </a:p>
         </p:txBody>
       </p:sp>
+      <p:pic>
+        <p:nvPicPr>
+          <p:cNvPr id="4" name="图片 3"/>
+          <p:cNvPicPr>
+            <a:picLocks noChangeAspect="1"/>
+          </p:cNvPicPr>
+          <p:nvPr/>
+        </p:nvPicPr>
+        <p:blipFill>
+          <a:blip r:embed="rId1"/>
+          <a:stretch>
+            <a:fillRect/>
+          </a:stretch>
+        </p:blipFill>
+        <p:spPr>
+          <a:xfrm>
+            <a:off x="9992995" y="140970"/>
+            <a:ext cx="2026285" cy="617220"/>
+          </a:xfrm>
+          <a:prstGeom prst="rect">
+            <a:avLst/>
+          </a:prstGeom>
+        </p:spPr>
+      </p:pic>
     </p:spTree>
-    <p:extLst>
-      <p:ext uri="{BB962C8B-B14F-4D97-AF65-F5344CB8AC3E}">
-        <p14:creationId xmlns:p14="http://schemas.microsoft.com/office/powerpoint/2010/main" val="1123346493"/>
-      </p:ext>
-    </p:extLst>
   </p:cSld>
   <p:clrMapOvr>
     <a:masterClrMapping/>
@@ -5175,12 +5350,31 @@
           </a:p>
         </p:txBody>
       </p:sp>
+      <p:pic>
+        <p:nvPicPr>
+          <p:cNvPr id="4" name="图片 3"/>
+          <p:cNvPicPr>
+            <a:picLocks noChangeAspect="1"/>
+          </p:cNvPicPr>
+          <p:nvPr/>
+        </p:nvPicPr>
+        <p:blipFill>
+          <a:blip r:embed="rId1"/>
+          <a:stretch>
+            <a:fillRect/>
+          </a:stretch>
+        </p:blipFill>
+        <p:spPr>
+          <a:xfrm>
+            <a:off x="9992995" y="140970"/>
+            <a:ext cx="2026285" cy="617220"/>
+          </a:xfrm>
+          <a:prstGeom prst="rect">
+            <a:avLst/>
+          </a:prstGeom>
+        </p:spPr>
+      </p:pic>
     </p:spTree>
-    <p:extLst>
-      <p:ext uri="{BB962C8B-B14F-4D97-AF65-F5344CB8AC3E}">
-        <p14:creationId xmlns:p14="http://schemas.microsoft.com/office/powerpoint/2010/main" val="105291236"/>
-      </p:ext>
-    </p:extLst>
   </p:cSld>
   <p:clrMapOvr>
     <a:masterClrMapping/>
@@ -5260,6 +5454,7 @@
               <a:rPr lang="en-US" altLang="zh-CN" dirty="0" smtClean="0"/>
               <a:t>  d3.js</a:t>
             </a:r>
+            <a:endParaRPr lang="en-US" altLang="zh-CN" dirty="0" smtClean="0"/>
           </a:p>
           <a:p>
             <a:endParaRPr lang="zh-CN" altLang="en-US" dirty="0"/>
@@ -5269,6 +5464,30 @@
       <p:pic>
         <p:nvPicPr>
           <p:cNvPr id="4" name="图片 3"/>
+          <p:cNvPicPr>
+            <a:picLocks noChangeAspect="1"/>
+          </p:cNvPicPr>
+          <p:nvPr/>
+        </p:nvPicPr>
+        <p:blipFill>
+          <a:blip r:embed="rId1"/>
+          <a:stretch>
+            <a:fillRect/>
+          </a:stretch>
+        </p:blipFill>
+        <p:spPr>
+          <a:xfrm>
+            <a:off x="1097280" y="3338366"/>
+            <a:ext cx="7371428" cy="1038095"/>
+          </a:xfrm>
+          <a:prstGeom prst="rect">
+            <a:avLst/>
+          </a:prstGeom>
+        </p:spPr>
+      </p:pic>
+      <p:pic>
+        <p:nvPicPr>
+          <p:cNvPr id="5" name="图片 4"/>
           <p:cNvPicPr>
             <a:picLocks noChangeAspect="1"/>
           </p:cNvPicPr>
@@ -5282,8 +5501,8 @@
         </p:blipFill>
         <p:spPr>
           <a:xfrm>
-            <a:off x="1097280" y="3338366"/>
-            <a:ext cx="7371428" cy="1038095"/>
+            <a:off x="9992995" y="140970"/>
+            <a:ext cx="2026285" cy="617220"/>
           </a:xfrm>
           <a:prstGeom prst="rect">
             <a:avLst/>
@@ -5291,11 +5510,6 @@
         </p:spPr>
       </p:pic>
     </p:spTree>
-    <p:extLst>
-      <p:ext uri="{BB962C8B-B14F-4D97-AF65-F5344CB8AC3E}">
-        <p14:creationId xmlns:p14="http://schemas.microsoft.com/office/powerpoint/2010/main" val="213449264"/>
-      </p:ext>
-    </p:extLst>
   </p:cSld>
   <p:clrMapOvr>
     <a:masterClrMapping/>
@@ -5358,16 +5572,70 @@
           <a:bodyPr/>
           <a:lstStyle/>
           <a:p>
+            <a:r>
+              <a:rPr lang="zh-CN" altLang="en-US"/>
+              <a:t>下一步工作：用</a:t>
+            </a:r>
+            <a:r>
+              <a:rPr lang="en-US" altLang="zh-CN" cap="none">
+                <a:solidFill>
+                  <a:schemeClr val="tx2"/>
+                </a:solidFill>
+                <a:uFillTx/>
+              </a:rPr>
+              <a:t>Spark</a:t>
+            </a:r>
+            <a:r>
+              <a:rPr lang="zh-CN" altLang="en-US" cap="none">
+                <a:solidFill>
+                  <a:schemeClr val="tx2"/>
+                </a:solidFill>
+                <a:uFillTx/>
+              </a:rPr>
+              <a:t>实现</a:t>
+            </a:r>
+            <a:r>
+              <a:rPr lang="en-US" altLang="zh-CN" cap="none">
+                <a:solidFill>
+                  <a:schemeClr val="tx2"/>
+                </a:solidFill>
+                <a:uFillTx/>
+              </a:rPr>
+              <a:t>HealthCheckAssistant</a:t>
+            </a:r>
+            <a:r>
+              <a:rPr lang="zh-CN" altLang="en-US"/>
+              <a:t>，再改进</a:t>
+            </a:r>
             <a:endParaRPr lang="zh-CN" altLang="en-US"/>
           </a:p>
         </p:txBody>
       </p:sp>
+      <p:pic>
+        <p:nvPicPr>
+          <p:cNvPr id="2" name="图片 1"/>
+          <p:cNvPicPr>
+            <a:picLocks noChangeAspect="1"/>
+          </p:cNvPicPr>
+          <p:nvPr/>
+        </p:nvPicPr>
+        <p:blipFill>
+          <a:blip r:embed="rId1"/>
+          <a:stretch>
+            <a:fillRect/>
+          </a:stretch>
+        </p:blipFill>
+        <p:spPr>
+          <a:xfrm>
+            <a:off x="9992995" y="140970"/>
+            <a:ext cx="2026285" cy="617220"/>
+          </a:xfrm>
+          <a:prstGeom prst="rect">
+            <a:avLst/>
+          </a:prstGeom>
+        </p:spPr>
+      </p:pic>
     </p:spTree>
-    <p:extLst>
-      <p:ext uri="{BB962C8B-B14F-4D97-AF65-F5344CB8AC3E}">
-        <p14:creationId xmlns:p14="http://schemas.microsoft.com/office/powerpoint/2010/main" val="1388086096"/>
-      </p:ext>
-    </p:extLst>
   </p:cSld>
   <p:clrMapOvr>
     <a:masterClrMapping/>
